--- a/公益體驗營/公益程式體驗營(作業架構圖2).pptx
+++ b/公益體驗營/公益程式體驗營(作業架構圖2).pptx
@@ -7,6 +7,7 @@
   <p:sldIdLst>
     <p:sldId id="256" r:id="rId2"/>
     <p:sldId id="257" r:id="rId3"/>
+    <p:sldId id="258" r:id="rId4"/>
   </p:sldIdLst>
   <p:sldSz cx="12192000" cy="6858000"/>
   <p:notesSz cx="6858000" cy="9144000"/>
@@ -105,6 +106,11 @@
       </a:defRPr>
     </a:lvl9pPr>
   </p:defaultTextStyle>
+  <p:extLst>
+    <p:ext uri="{EFAFB233-063F-42B5-8137-9DF3F51BA10A}">
+      <p15:sldGuideLst xmlns:p15="http://schemas.microsoft.com/office/powerpoint/2012/main"/>
+    </p:ext>
+  </p:extLst>
 </p:presentation>
 </file>
 
@@ -255,7 +261,7 @@
           <a:p>
             <a:fld id="{EAD7225C-026E-4CD4-87B4-A973251D3C0D}" type="datetimeFigureOut">
               <a:rPr lang="zh-TW" altLang="en-US" smtClean="0"/>
-              <a:t>2022/5/12</a:t>
+              <a:t>2022/5/15</a:t>
             </a:fld>
             <a:endParaRPr lang="zh-TW" altLang="en-US"/>
           </a:p>
@@ -453,7 +459,7 @@
           <a:p>
             <a:fld id="{EAD7225C-026E-4CD4-87B4-A973251D3C0D}" type="datetimeFigureOut">
               <a:rPr lang="zh-TW" altLang="en-US" smtClean="0"/>
-              <a:t>2022/5/12</a:t>
+              <a:t>2022/5/15</a:t>
             </a:fld>
             <a:endParaRPr lang="zh-TW" altLang="en-US"/>
           </a:p>
@@ -661,7 +667,7 @@
           <a:p>
             <a:fld id="{EAD7225C-026E-4CD4-87B4-A973251D3C0D}" type="datetimeFigureOut">
               <a:rPr lang="zh-TW" altLang="en-US" smtClean="0"/>
-              <a:t>2022/5/12</a:t>
+              <a:t>2022/5/15</a:t>
             </a:fld>
             <a:endParaRPr lang="zh-TW" altLang="en-US"/>
           </a:p>
@@ -859,7 +865,7 @@
           <a:p>
             <a:fld id="{EAD7225C-026E-4CD4-87B4-A973251D3C0D}" type="datetimeFigureOut">
               <a:rPr lang="zh-TW" altLang="en-US" smtClean="0"/>
-              <a:t>2022/5/12</a:t>
+              <a:t>2022/5/15</a:t>
             </a:fld>
             <a:endParaRPr lang="zh-TW" altLang="en-US"/>
           </a:p>
@@ -1134,7 +1140,7 @@
           <a:p>
             <a:fld id="{EAD7225C-026E-4CD4-87B4-A973251D3C0D}" type="datetimeFigureOut">
               <a:rPr lang="zh-TW" altLang="en-US" smtClean="0"/>
-              <a:t>2022/5/12</a:t>
+              <a:t>2022/5/15</a:t>
             </a:fld>
             <a:endParaRPr lang="zh-TW" altLang="en-US"/>
           </a:p>
@@ -1399,7 +1405,7 @@
           <a:p>
             <a:fld id="{EAD7225C-026E-4CD4-87B4-A973251D3C0D}" type="datetimeFigureOut">
               <a:rPr lang="zh-TW" altLang="en-US" smtClean="0"/>
-              <a:t>2022/5/12</a:t>
+              <a:t>2022/5/15</a:t>
             </a:fld>
             <a:endParaRPr lang="zh-TW" altLang="en-US"/>
           </a:p>
@@ -1811,7 +1817,7 @@
           <a:p>
             <a:fld id="{EAD7225C-026E-4CD4-87B4-A973251D3C0D}" type="datetimeFigureOut">
               <a:rPr lang="zh-TW" altLang="en-US" smtClean="0"/>
-              <a:t>2022/5/12</a:t>
+              <a:t>2022/5/15</a:t>
             </a:fld>
             <a:endParaRPr lang="zh-TW" altLang="en-US"/>
           </a:p>
@@ -1952,7 +1958,7 @@
           <a:p>
             <a:fld id="{EAD7225C-026E-4CD4-87B4-A973251D3C0D}" type="datetimeFigureOut">
               <a:rPr lang="zh-TW" altLang="en-US" smtClean="0"/>
-              <a:t>2022/5/12</a:t>
+              <a:t>2022/5/15</a:t>
             </a:fld>
             <a:endParaRPr lang="zh-TW" altLang="en-US"/>
           </a:p>
@@ -2065,7 +2071,7 @@
           <a:p>
             <a:fld id="{EAD7225C-026E-4CD4-87B4-A973251D3C0D}" type="datetimeFigureOut">
               <a:rPr lang="zh-TW" altLang="en-US" smtClean="0"/>
-              <a:t>2022/5/12</a:t>
+              <a:t>2022/5/15</a:t>
             </a:fld>
             <a:endParaRPr lang="zh-TW" altLang="en-US"/>
           </a:p>
@@ -2376,7 +2382,7 @@
           <a:p>
             <a:fld id="{EAD7225C-026E-4CD4-87B4-A973251D3C0D}" type="datetimeFigureOut">
               <a:rPr lang="zh-TW" altLang="en-US" smtClean="0"/>
-              <a:t>2022/5/12</a:t>
+              <a:t>2022/5/15</a:t>
             </a:fld>
             <a:endParaRPr lang="zh-TW" altLang="en-US"/>
           </a:p>
@@ -2664,7 +2670,7 @@
           <a:p>
             <a:fld id="{EAD7225C-026E-4CD4-87B4-A973251D3C0D}" type="datetimeFigureOut">
               <a:rPr lang="zh-TW" altLang="en-US" smtClean="0"/>
-              <a:t>2022/5/12</a:t>
+              <a:t>2022/5/15</a:t>
             </a:fld>
             <a:endParaRPr lang="zh-TW" altLang="en-US"/>
           </a:p>
@@ -2905,7 +2911,7 @@
           <a:p>
             <a:fld id="{EAD7225C-026E-4CD4-87B4-A973251D3C0D}" type="datetimeFigureOut">
               <a:rPr lang="zh-TW" altLang="en-US" smtClean="0"/>
-              <a:t>2022/5/12</a:t>
+              <a:t>2022/5/15</a:t>
             </a:fld>
             <a:endParaRPr lang="zh-TW" altLang="en-US"/>
           </a:p>
@@ -5176,10 +5182,1730 @@
           <a:chExt cx="0" cy="0"/>
         </a:xfrm>
       </p:grpSpPr>
+      <p:sp>
+        <p:nvSpPr>
+          <p:cNvPr id="2" name="文字方塊 1">
+            <a:extLst>
+              <a:ext uri="{FF2B5EF4-FFF2-40B4-BE49-F238E27FC236}">
+                <a16:creationId xmlns:a16="http://schemas.microsoft.com/office/drawing/2014/main" id="{E9182CA8-43BA-83A6-BE02-A74CF703B5D5}"/>
+              </a:ext>
+            </a:extLst>
+          </p:cNvPr>
+          <p:cNvSpPr txBox="1"/>
+          <p:nvPr/>
+        </p:nvSpPr>
+        <p:spPr>
+          <a:xfrm>
+            <a:off x="236486" y="177941"/>
+            <a:ext cx="3326525" cy="369332"/>
+          </a:xfrm>
+          <a:prstGeom prst="rect">
+            <a:avLst/>
+          </a:prstGeom>
+          <a:noFill/>
+        </p:spPr>
+        <p:txBody>
+          <a:bodyPr wrap="square" rtlCol="0">
+            <a:spAutoFit/>
+          </a:bodyPr>
+          <a:lstStyle/>
+          <a:p>
+            <a:r>
+              <a:rPr lang="zh-TW" altLang="en-US" dirty="0"/>
+              <a:t>甜點屋</a:t>
+            </a:r>
+          </a:p>
+        </p:txBody>
+      </p:sp>
+      <p:sp>
+        <p:nvSpPr>
+          <p:cNvPr id="3" name="矩形 2">
+            <a:extLst>
+              <a:ext uri="{FF2B5EF4-FFF2-40B4-BE49-F238E27FC236}">
+                <a16:creationId xmlns:a16="http://schemas.microsoft.com/office/drawing/2014/main" id="{2B828C0F-8245-7175-D36B-379E5080C6D8}"/>
+              </a:ext>
+            </a:extLst>
+          </p:cNvPr>
+          <p:cNvSpPr/>
+          <p:nvPr/>
+        </p:nvSpPr>
+        <p:spPr>
+          <a:xfrm>
+            <a:off x="246993" y="1418897"/>
+            <a:ext cx="11698014" cy="5234151"/>
+          </a:xfrm>
+          <a:prstGeom prst="rect">
+            <a:avLst/>
+          </a:prstGeom>
+          <a:noFill/>
+        </p:spPr>
+        <p:style>
+          <a:lnRef idx="2">
+            <a:schemeClr val="accent1">
+              <a:shade val="50000"/>
+            </a:schemeClr>
+          </a:lnRef>
+          <a:fillRef idx="1">
+            <a:schemeClr val="accent1"/>
+          </a:fillRef>
+          <a:effectRef idx="0">
+            <a:schemeClr val="accent1"/>
+          </a:effectRef>
+          <a:fontRef idx="minor">
+            <a:schemeClr val="lt1"/>
+          </a:fontRef>
+        </p:style>
+        <p:txBody>
+          <a:bodyPr rtlCol="0" anchor="ctr"/>
+          <a:lstStyle/>
+          <a:p>
+            <a:pPr algn="ctr"/>
+            <a:endParaRPr lang="zh-TW" altLang="en-US"/>
+          </a:p>
+        </p:txBody>
+      </p:sp>
+      <p:sp>
+        <p:nvSpPr>
+          <p:cNvPr id="4" name="矩形 3">
+            <a:extLst>
+              <a:ext uri="{FF2B5EF4-FFF2-40B4-BE49-F238E27FC236}">
+                <a16:creationId xmlns:a16="http://schemas.microsoft.com/office/drawing/2014/main" id="{D6F361BC-2D25-2654-EE6C-C11B207A23A6}"/>
+              </a:ext>
+            </a:extLst>
+          </p:cNvPr>
+          <p:cNvSpPr/>
+          <p:nvPr/>
+        </p:nvSpPr>
+        <p:spPr>
+          <a:xfrm>
+            <a:off x="441434" y="3818983"/>
+            <a:ext cx="11351173" cy="2676409"/>
+          </a:xfrm>
+          <a:prstGeom prst="rect">
+            <a:avLst/>
+          </a:prstGeom>
+          <a:noFill/>
+        </p:spPr>
+        <p:style>
+          <a:lnRef idx="2">
+            <a:schemeClr val="accent1">
+              <a:shade val="50000"/>
+            </a:schemeClr>
+          </a:lnRef>
+          <a:fillRef idx="1">
+            <a:schemeClr val="accent1"/>
+          </a:fillRef>
+          <a:effectRef idx="0">
+            <a:schemeClr val="accent1"/>
+          </a:effectRef>
+          <a:fontRef idx="minor">
+            <a:schemeClr val="lt1"/>
+          </a:fontRef>
+        </p:style>
+        <p:txBody>
+          <a:bodyPr rtlCol="0" anchor="ctr"/>
+          <a:lstStyle/>
+          <a:p>
+            <a:pPr algn="ctr"/>
+            <a:endParaRPr lang="zh-TW" altLang="en-US"/>
+          </a:p>
+        </p:txBody>
+      </p:sp>
+      <p:sp>
+        <p:nvSpPr>
+          <p:cNvPr id="5" name="矩形 4">
+            <a:extLst>
+              <a:ext uri="{FF2B5EF4-FFF2-40B4-BE49-F238E27FC236}">
+                <a16:creationId xmlns:a16="http://schemas.microsoft.com/office/drawing/2014/main" id="{6D6E4B83-F100-090C-9ADA-2B2F4A11EAC7}"/>
+              </a:ext>
+            </a:extLst>
+          </p:cNvPr>
+          <p:cNvSpPr/>
+          <p:nvPr/>
+        </p:nvSpPr>
+        <p:spPr>
+          <a:xfrm>
+            <a:off x="420413" y="1623111"/>
+            <a:ext cx="11351173" cy="2033753"/>
+          </a:xfrm>
+          <a:prstGeom prst="rect">
+            <a:avLst/>
+          </a:prstGeom>
+          <a:noFill/>
+        </p:spPr>
+        <p:style>
+          <a:lnRef idx="2">
+            <a:schemeClr val="accent1">
+              <a:shade val="50000"/>
+            </a:schemeClr>
+          </a:lnRef>
+          <a:fillRef idx="1">
+            <a:schemeClr val="accent1"/>
+          </a:fillRef>
+          <a:effectRef idx="0">
+            <a:schemeClr val="accent1"/>
+          </a:effectRef>
+          <a:fontRef idx="minor">
+            <a:schemeClr val="lt1"/>
+          </a:fontRef>
+        </p:style>
+        <p:txBody>
+          <a:bodyPr rtlCol="0" anchor="ctr"/>
+          <a:lstStyle/>
+          <a:p>
+            <a:pPr algn="ctr"/>
+            <a:endParaRPr lang="zh-TW" altLang="en-US"/>
+          </a:p>
+        </p:txBody>
+      </p:sp>
+      <p:sp>
+        <p:nvSpPr>
+          <p:cNvPr id="6" name="矩形 5">
+            <a:extLst>
+              <a:ext uri="{FF2B5EF4-FFF2-40B4-BE49-F238E27FC236}">
+                <a16:creationId xmlns:a16="http://schemas.microsoft.com/office/drawing/2014/main" id="{51AA21B2-AA39-0BC9-A992-2CEC705BD86B}"/>
+              </a:ext>
+            </a:extLst>
+          </p:cNvPr>
+          <p:cNvSpPr/>
+          <p:nvPr/>
+        </p:nvSpPr>
+        <p:spPr>
+          <a:xfrm>
+            <a:off x="604344" y="2027760"/>
+            <a:ext cx="3668111" cy="1393356"/>
+          </a:xfrm>
+          <a:prstGeom prst="rect">
+            <a:avLst/>
+          </a:prstGeom>
+          <a:noFill/>
+        </p:spPr>
+        <p:style>
+          <a:lnRef idx="2">
+            <a:schemeClr val="accent1">
+              <a:shade val="50000"/>
+            </a:schemeClr>
+          </a:lnRef>
+          <a:fillRef idx="1">
+            <a:schemeClr val="accent1"/>
+          </a:fillRef>
+          <a:effectRef idx="0">
+            <a:schemeClr val="accent1"/>
+          </a:effectRef>
+          <a:fontRef idx="minor">
+            <a:schemeClr val="lt1"/>
+          </a:fontRef>
+        </p:style>
+        <p:txBody>
+          <a:bodyPr rtlCol="0" anchor="ctr"/>
+          <a:lstStyle/>
+          <a:p>
+            <a:pPr algn="ctr"/>
+            <a:endParaRPr lang="zh-TW" altLang="en-US"/>
+          </a:p>
+        </p:txBody>
+      </p:sp>
+      <p:sp>
+        <p:nvSpPr>
+          <p:cNvPr id="7" name="矩形 6">
+            <a:extLst>
+              <a:ext uri="{FF2B5EF4-FFF2-40B4-BE49-F238E27FC236}">
+                <a16:creationId xmlns:a16="http://schemas.microsoft.com/office/drawing/2014/main" id="{735BCADD-84AB-645D-C5A3-8FA9C89A1542}"/>
+              </a:ext>
+            </a:extLst>
+          </p:cNvPr>
+          <p:cNvSpPr/>
+          <p:nvPr/>
+        </p:nvSpPr>
+        <p:spPr>
+          <a:xfrm>
+            <a:off x="6794937" y="2031546"/>
+            <a:ext cx="3668111" cy="1393356"/>
+          </a:xfrm>
+          <a:prstGeom prst="rect">
+            <a:avLst/>
+          </a:prstGeom>
+          <a:noFill/>
+        </p:spPr>
+        <p:style>
+          <a:lnRef idx="2">
+            <a:schemeClr val="accent1">
+              <a:shade val="50000"/>
+            </a:schemeClr>
+          </a:lnRef>
+          <a:fillRef idx="1">
+            <a:schemeClr val="accent1"/>
+          </a:fillRef>
+          <a:effectRef idx="0">
+            <a:schemeClr val="accent1"/>
+          </a:effectRef>
+          <a:fontRef idx="minor">
+            <a:schemeClr val="lt1"/>
+          </a:fontRef>
+        </p:style>
+        <p:txBody>
+          <a:bodyPr rtlCol="0" anchor="ctr"/>
+          <a:lstStyle/>
+          <a:p>
+            <a:pPr algn="ctr"/>
+            <a:endParaRPr lang="zh-TW" altLang="en-US"/>
+          </a:p>
+        </p:txBody>
+      </p:sp>
+      <p:sp>
+        <p:nvSpPr>
+          <p:cNvPr id="8" name="矩形 7">
+            <a:extLst>
+              <a:ext uri="{FF2B5EF4-FFF2-40B4-BE49-F238E27FC236}">
+                <a16:creationId xmlns:a16="http://schemas.microsoft.com/office/drawing/2014/main" id="{DCC0D24A-36CF-7C79-17BB-569273DB2D2A}"/>
+              </a:ext>
+            </a:extLst>
+          </p:cNvPr>
+          <p:cNvSpPr/>
+          <p:nvPr/>
+        </p:nvSpPr>
+        <p:spPr>
+          <a:xfrm>
+            <a:off x="10646979" y="2027760"/>
+            <a:ext cx="1014250" cy="1393356"/>
+          </a:xfrm>
+          <a:prstGeom prst="rect">
+            <a:avLst/>
+          </a:prstGeom>
+          <a:noFill/>
+        </p:spPr>
+        <p:style>
+          <a:lnRef idx="2">
+            <a:schemeClr val="accent1">
+              <a:shade val="50000"/>
+            </a:schemeClr>
+          </a:lnRef>
+          <a:fillRef idx="1">
+            <a:schemeClr val="accent1"/>
+          </a:fillRef>
+          <a:effectRef idx="0">
+            <a:schemeClr val="accent1"/>
+          </a:effectRef>
+          <a:fontRef idx="minor">
+            <a:schemeClr val="lt1"/>
+          </a:fontRef>
+        </p:style>
+        <p:txBody>
+          <a:bodyPr rtlCol="0" anchor="ctr"/>
+          <a:lstStyle/>
+          <a:p>
+            <a:pPr algn="ctr"/>
+            <a:endParaRPr lang="zh-TW" altLang="en-US"/>
+          </a:p>
+        </p:txBody>
+      </p:sp>
+      <p:sp>
+        <p:nvSpPr>
+          <p:cNvPr id="9" name="矩形 8">
+            <a:extLst>
+              <a:ext uri="{FF2B5EF4-FFF2-40B4-BE49-F238E27FC236}">
+                <a16:creationId xmlns:a16="http://schemas.microsoft.com/office/drawing/2014/main" id="{C161B8AA-E4E9-3902-2160-150526590CDB}"/>
+              </a:ext>
+            </a:extLst>
+          </p:cNvPr>
+          <p:cNvSpPr/>
+          <p:nvPr/>
+        </p:nvSpPr>
+        <p:spPr>
+          <a:xfrm>
+            <a:off x="7037986" y="2570203"/>
+            <a:ext cx="1014250" cy="647120"/>
+          </a:xfrm>
+          <a:prstGeom prst="rect">
+            <a:avLst/>
+          </a:prstGeom>
+          <a:noFill/>
+        </p:spPr>
+        <p:style>
+          <a:lnRef idx="2">
+            <a:schemeClr val="accent1">
+              <a:shade val="50000"/>
+            </a:schemeClr>
+          </a:lnRef>
+          <a:fillRef idx="1">
+            <a:schemeClr val="accent1"/>
+          </a:fillRef>
+          <a:effectRef idx="0">
+            <a:schemeClr val="accent1"/>
+          </a:effectRef>
+          <a:fontRef idx="minor">
+            <a:schemeClr val="lt1"/>
+          </a:fontRef>
+        </p:style>
+        <p:txBody>
+          <a:bodyPr rtlCol="0" anchor="ctr"/>
+          <a:lstStyle/>
+          <a:p>
+            <a:pPr algn="ctr"/>
+            <a:endParaRPr lang="zh-TW" altLang="en-US"/>
+          </a:p>
+        </p:txBody>
+      </p:sp>
+      <p:sp>
+        <p:nvSpPr>
+          <p:cNvPr id="10" name="矩形 9">
+            <a:extLst>
+              <a:ext uri="{FF2B5EF4-FFF2-40B4-BE49-F238E27FC236}">
+                <a16:creationId xmlns:a16="http://schemas.microsoft.com/office/drawing/2014/main" id="{E21BE564-EDD4-B5D8-A8D9-786E24AA6B41}"/>
+              </a:ext>
+            </a:extLst>
+          </p:cNvPr>
+          <p:cNvSpPr/>
+          <p:nvPr/>
+        </p:nvSpPr>
+        <p:spPr>
+          <a:xfrm>
+            <a:off x="8174416" y="2570203"/>
+            <a:ext cx="1014250" cy="647120"/>
+          </a:xfrm>
+          <a:prstGeom prst="rect">
+            <a:avLst/>
+          </a:prstGeom>
+          <a:noFill/>
+        </p:spPr>
+        <p:style>
+          <a:lnRef idx="2">
+            <a:schemeClr val="accent1">
+              <a:shade val="50000"/>
+            </a:schemeClr>
+          </a:lnRef>
+          <a:fillRef idx="1">
+            <a:schemeClr val="accent1"/>
+          </a:fillRef>
+          <a:effectRef idx="0">
+            <a:schemeClr val="accent1"/>
+          </a:effectRef>
+          <a:fontRef idx="minor">
+            <a:schemeClr val="lt1"/>
+          </a:fontRef>
+        </p:style>
+        <p:txBody>
+          <a:bodyPr rtlCol="0" anchor="ctr"/>
+          <a:lstStyle/>
+          <a:p>
+            <a:pPr algn="ctr"/>
+            <a:endParaRPr lang="zh-TW" altLang="en-US"/>
+          </a:p>
+        </p:txBody>
+      </p:sp>
+      <p:sp>
+        <p:nvSpPr>
+          <p:cNvPr id="11" name="矩形 10">
+            <a:extLst>
+              <a:ext uri="{FF2B5EF4-FFF2-40B4-BE49-F238E27FC236}">
+                <a16:creationId xmlns:a16="http://schemas.microsoft.com/office/drawing/2014/main" id="{3A9644E5-9D8B-32CE-2C78-7E3AE809B27F}"/>
+              </a:ext>
+            </a:extLst>
+          </p:cNvPr>
+          <p:cNvSpPr/>
+          <p:nvPr/>
+        </p:nvSpPr>
+        <p:spPr>
+          <a:xfrm>
+            <a:off x="9331869" y="2570203"/>
+            <a:ext cx="1014250" cy="647120"/>
+          </a:xfrm>
+          <a:prstGeom prst="rect">
+            <a:avLst/>
+          </a:prstGeom>
+          <a:noFill/>
+        </p:spPr>
+        <p:style>
+          <a:lnRef idx="2">
+            <a:schemeClr val="accent1">
+              <a:shade val="50000"/>
+            </a:schemeClr>
+          </a:lnRef>
+          <a:fillRef idx="1">
+            <a:schemeClr val="accent1"/>
+          </a:fillRef>
+          <a:effectRef idx="0">
+            <a:schemeClr val="accent1"/>
+          </a:effectRef>
+          <a:fontRef idx="minor">
+            <a:schemeClr val="lt1"/>
+          </a:fontRef>
+        </p:style>
+        <p:txBody>
+          <a:bodyPr rtlCol="0" anchor="ctr"/>
+          <a:lstStyle/>
+          <a:p>
+            <a:pPr algn="ctr"/>
+            <a:endParaRPr lang="zh-TW" altLang="en-US"/>
+          </a:p>
+        </p:txBody>
+      </p:sp>
+      <p:sp>
+        <p:nvSpPr>
+          <p:cNvPr id="12" name="文字方塊 11">
+            <a:extLst>
+              <a:ext uri="{FF2B5EF4-FFF2-40B4-BE49-F238E27FC236}">
+                <a16:creationId xmlns:a16="http://schemas.microsoft.com/office/drawing/2014/main" id="{7855F4FB-8E13-728E-7874-B129BD8AB401}"/>
+              </a:ext>
+            </a:extLst>
+          </p:cNvPr>
+          <p:cNvSpPr txBox="1"/>
+          <p:nvPr/>
+        </p:nvSpPr>
+        <p:spPr>
+          <a:xfrm>
+            <a:off x="246993" y="1023909"/>
+            <a:ext cx="3326525" cy="369332"/>
+          </a:xfrm>
+          <a:prstGeom prst="rect">
+            <a:avLst/>
+          </a:prstGeom>
+          <a:noFill/>
+        </p:spPr>
+        <p:txBody>
+          <a:bodyPr wrap="square" rtlCol="0">
+            <a:spAutoFit/>
+          </a:bodyPr>
+          <a:lstStyle/>
+          <a:p>
+            <a:r>
+              <a:rPr lang="en-US" altLang="zh-TW" dirty="0"/>
+              <a:t>.</a:t>
+            </a:r>
+            <a:r>
+              <a:rPr lang="en-US" altLang="zh-TW" dirty="0" err="1"/>
+              <a:t>wrap.container</a:t>
+            </a:r>
+            <a:endParaRPr lang="zh-TW" altLang="en-US" dirty="0"/>
+          </a:p>
+        </p:txBody>
+      </p:sp>
+      <p:sp>
+        <p:nvSpPr>
+          <p:cNvPr id="13" name="文字方塊 12">
+            <a:extLst>
+              <a:ext uri="{FF2B5EF4-FFF2-40B4-BE49-F238E27FC236}">
+                <a16:creationId xmlns:a16="http://schemas.microsoft.com/office/drawing/2014/main" id="{777EB4DB-A3DB-B04A-9634-F0CF2478B6F1}"/>
+              </a:ext>
+            </a:extLst>
+          </p:cNvPr>
+          <p:cNvSpPr txBox="1"/>
+          <p:nvPr/>
+        </p:nvSpPr>
+        <p:spPr>
+          <a:xfrm>
+            <a:off x="604344" y="1594152"/>
+            <a:ext cx="3326525" cy="369332"/>
+          </a:xfrm>
+          <a:prstGeom prst="rect">
+            <a:avLst/>
+          </a:prstGeom>
+          <a:noFill/>
+        </p:spPr>
+        <p:txBody>
+          <a:bodyPr wrap="square" rtlCol="0">
+            <a:spAutoFit/>
+          </a:bodyPr>
+          <a:lstStyle/>
+          <a:p>
+            <a:r>
+              <a:rPr lang="en-US" altLang="zh-TW" dirty="0"/>
+              <a:t>.header</a:t>
+            </a:r>
+            <a:endParaRPr lang="zh-TW" altLang="en-US" dirty="0"/>
+          </a:p>
+        </p:txBody>
+      </p:sp>
+      <p:sp>
+        <p:nvSpPr>
+          <p:cNvPr id="14" name="文字方塊 13">
+            <a:extLst>
+              <a:ext uri="{FF2B5EF4-FFF2-40B4-BE49-F238E27FC236}">
+                <a16:creationId xmlns:a16="http://schemas.microsoft.com/office/drawing/2014/main" id="{11B02E98-DC03-3011-03EF-974929D34526}"/>
+              </a:ext>
+            </a:extLst>
+          </p:cNvPr>
+          <p:cNvSpPr txBox="1"/>
+          <p:nvPr/>
+        </p:nvSpPr>
+        <p:spPr>
+          <a:xfrm>
+            <a:off x="945930" y="2047199"/>
+            <a:ext cx="3326525" cy="369332"/>
+          </a:xfrm>
+          <a:prstGeom prst="rect">
+            <a:avLst/>
+          </a:prstGeom>
+          <a:noFill/>
+        </p:spPr>
+        <p:txBody>
+          <a:bodyPr wrap="square" rtlCol="0">
+            <a:spAutoFit/>
+          </a:bodyPr>
+          <a:lstStyle/>
+          <a:p>
+            <a:r>
+              <a:rPr lang="en-US" altLang="zh-TW" dirty="0"/>
+              <a:t>.logo&gt;a&gt;</a:t>
+            </a:r>
+            <a:r>
+              <a:rPr lang="en-US" altLang="zh-TW" dirty="0" err="1"/>
+              <a:t>img</a:t>
+            </a:r>
+            <a:endParaRPr lang="zh-TW" altLang="en-US" dirty="0"/>
+          </a:p>
+        </p:txBody>
+      </p:sp>
+      <p:sp>
+        <p:nvSpPr>
+          <p:cNvPr id="15" name="文字方塊 14">
+            <a:extLst>
+              <a:ext uri="{FF2B5EF4-FFF2-40B4-BE49-F238E27FC236}">
+                <a16:creationId xmlns:a16="http://schemas.microsoft.com/office/drawing/2014/main" id="{AB1A2B59-19D7-2EAD-1B50-A6E6AD4BFBCD}"/>
+              </a:ext>
+            </a:extLst>
+          </p:cNvPr>
+          <p:cNvSpPr txBox="1"/>
+          <p:nvPr/>
+        </p:nvSpPr>
+        <p:spPr>
+          <a:xfrm>
+            <a:off x="6773917" y="1700780"/>
+            <a:ext cx="3326525" cy="369332"/>
+          </a:xfrm>
+          <a:prstGeom prst="rect">
+            <a:avLst/>
+          </a:prstGeom>
+          <a:noFill/>
+        </p:spPr>
+        <p:txBody>
+          <a:bodyPr wrap="square" rtlCol="0">
+            <a:spAutoFit/>
+          </a:bodyPr>
+          <a:lstStyle/>
+          <a:p>
+            <a:r>
+              <a:rPr lang="en-US" altLang="zh-TW" dirty="0" err="1"/>
+              <a:t>ul.menu</a:t>
+            </a:r>
+            <a:endParaRPr lang="zh-TW" altLang="en-US" dirty="0"/>
+          </a:p>
+        </p:txBody>
+      </p:sp>
+      <p:sp>
+        <p:nvSpPr>
+          <p:cNvPr id="16" name="文字方塊 15">
+            <a:extLst>
+              <a:ext uri="{FF2B5EF4-FFF2-40B4-BE49-F238E27FC236}">
+                <a16:creationId xmlns:a16="http://schemas.microsoft.com/office/drawing/2014/main" id="{9F8F60A0-EEB4-8C53-DBEC-6565FF7EC3E2}"/>
+              </a:ext>
+            </a:extLst>
+          </p:cNvPr>
+          <p:cNvSpPr txBox="1"/>
+          <p:nvPr/>
+        </p:nvSpPr>
+        <p:spPr>
+          <a:xfrm>
+            <a:off x="7086598" y="2073162"/>
+            <a:ext cx="3326525" cy="369332"/>
+          </a:xfrm>
+          <a:prstGeom prst="rect">
+            <a:avLst/>
+          </a:prstGeom>
+          <a:noFill/>
+        </p:spPr>
+        <p:txBody>
+          <a:bodyPr wrap="square" rtlCol="0">
+            <a:spAutoFit/>
+          </a:bodyPr>
+          <a:lstStyle/>
+          <a:p>
+            <a:r>
+              <a:rPr lang="en-US" altLang="zh-TW" dirty="0"/>
+              <a:t>li*3&gt;a</a:t>
+            </a:r>
+            <a:endParaRPr lang="zh-TW" altLang="en-US" dirty="0"/>
+          </a:p>
+        </p:txBody>
+      </p:sp>
+      <p:sp>
+        <p:nvSpPr>
+          <p:cNvPr id="17" name="文字方塊 16">
+            <a:extLst>
+              <a:ext uri="{FF2B5EF4-FFF2-40B4-BE49-F238E27FC236}">
+                <a16:creationId xmlns:a16="http://schemas.microsoft.com/office/drawing/2014/main" id="{3D86B1D1-A439-020D-0A60-08F1E1FC698C}"/>
+              </a:ext>
+            </a:extLst>
+          </p:cNvPr>
+          <p:cNvSpPr txBox="1"/>
+          <p:nvPr/>
+        </p:nvSpPr>
+        <p:spPr>
+          <a:xfrm>
+            <a:off x="10645665" y="2200871"/>
+            <a:ext cx="1014250" cy="646331"/>
+          </a:xfrm>
+          <a:prstGeom prst="rect">
+            <a:avLst/>
+          </a:prstGeom>
+          <a:noFill/>
+        </p:spPr>
+        <p:txBody>
+          <a:bodyPr wrap="square" rtlCol="0">
+            <a:spAutoFit/>
+          </a:bodyPr>
+          <a:lstStyle/>
+          <a:p>
+            <a:r>
+              <a:rPr lang="en-US" altLang="zh-TW" dirty="0"/>
+              <a:t>li&gt;</a:t>
+            </a:r>
+            <a:r>
+              <a:rPr lang="en-US" altLang="zh-TW" dirty="0" err="1"/>
+              <a:t>a.cardImg</a:t>
+            </a:r>
+            <a:r>
+              <a:rPr lang="en-US" altLang="zh-TW" dirty="0"/>
+              <a:t>&gt;</a:t>
+            </a:r>
+            <a:r>
+              <a:rPr lang="en-US" altLang="zh-TW" dirty="0" err="1"/>
+              <a:t>img</a:t>
+            </a:r>
+            <a:endParaRPr lang="zh-TW" altLang="en-US" dirty="0"/>
+          </a:p>
+        </p:txBody>
+      </p:sp>
+      <p:sp>
+        <p:nvSpPr>
+          <p:cNvPr id="18" name="文字方塊 17">
+            <a:extLst>
+              <a:ext uri="{FF2B5EF4-FFF2-40B4-BE49-F238E27FC236}">
+                <a16:creationId xmlns:a16="http://schemas.microsoft.com/office/drawing/2014/main" id="{73E01DC6-F355-BFD3-0A66-75E2F52CE955}"/>
+              </a:ext>
+            </a:extLst>
+          </p:cNvPr>
+          <p:cNvSpPr txBox="1"/>
+          <p:nvPr/>
+        </p:nvSpPr>
+        <p:spPr>
+          <a:xfrm>
+            <a:off x="604343" y="3957454"/>
+            <a:ext cx="3326525" cy="369332"/>
+          </a:xfrm>
+          <a:prstGeom prst="rect">
+            <a:avLst/>
+          </a:prstGeom>
+          <a:noFill/>
+        </p:spPr>
+        <p:txBody>
+          <a:bodyPr wrap="square" rtlCol="0">
+            <a:spAutoFit/>
+          </a:bodyPr>
+          <a:lstStyle/>
+          <a:p>
+            <a:r>
+              <a:rPr lang="en-US" altLang="zh-TW" dirty="0"/>
+              <a:t>.banner&gt;a&gt;</a:t>
+            </a:r>
+            <a:r>
+              <a:rPr lang="en-US" altLang="zh-TW" dirty="0" err="1"/>
+              <a:t>img</a:t>
+            </a:r>
+            <a:endParaRPr lang="zh-TW" altLang="en-US" dirty="0"/>
+          </a:p>
+        </p:txBody>
+      </p:sp>
+      <p:sp>
+        <p:nvSpPr>
+          <p:cNvPr id="20" name="文字方塊 19">
+            <a:extLst>
+              <a:ext uri="{FF2B5EF4-FFF2-40B4-BE49-F238E27FC236}">
+                <a16:creationId xmlns:a16="http://schemas.microsoft.com/office/drawing/2014/main" id="{711F51F1-74E6-BA30-B58A-5E2B28D31B74}"/>
+              </a:ext>
+            </a:extLst>
+          </p:cNvPr>
+          <p:cNvSpPr txBox="1"/>
+          <p:nvPr/>
+        </p:nvSpPr>
+        <p:spPr>
+          <a:xfrm>
+            <a:off x="2267605" y="1035471"/>
+            <a:ext cx="5481148" cy="400110"/>
+          </a:xfrm>
+          <a:prstGeom prst="rect">
+            <a:avLst/>
+          </a:prstGeom>
+          <a:noFill/>
+        </p:spPr>
+        <p:txBody>
+          <a:bodyPr wrap="square" rtlCol="0">
+            <a:spAutoFit/>
+          </a:bodyPr>
+          <a:lstStyle/>
+          <a:p>
+            <a:r>
+              <a:rPr lang="en-US" altLang="zh-TW" sz="2000" dirty="0">
+                <a:solidFill>
+                  <a:srgbClr val="FF0000"/>
+                </a:solidFill>
+              </a:rPr>
+              <a:t>maw-1024+m0-auto+p:30 42</a:t>
+            </a:r>
+          </a:p>
+        </p:txBody>
+      </p:sp>
+      <p:sp>
+        <p:nvSpPr>
+          <p:cNvPr id="23" name="文字方塊 22">
+            <a:extLst>
+              <a:ext uri="{FF2B5EF4-FFF2-40B4-BE49-F238E27FC236}">
+                <a16:creationId xmlns:a16="http://schemas.microsoft.com/office/drawing/2014/main" id="{A726542E-FC01-DCCB-48DD-95CA7E12E4CC}"/>
+              </a:ext>
+            </a:extLst>
+          </p:cNvPr>
+          <p:cNvSpPr txBox="1"/>
+          <p:nvPr/>
+        </p:nvSpPr>
+        <p:spPr>
+          <a:xfrm>
+            <a:off x="1605450" y="1635992"/>
+            <a:ext cx="5481148" cy="400110"/>
+          </a:xfrm>
+          <a:prstGeom prst="rect">
+            <a:avLst/>
+          </a:prstGeom>
+          <a:noFill/>
+        </p:spPr>
+        <p:txBody>
+          <a:bodyPr wrap="square" rtlCol="0">
+            <a:spAutoFit/>
+          </a:bodyPr>
+          <a:lstStyle/>
+          <a:p>
+            <a:r>
+              <a:rPr lang="en-US" altLang="zh-TW" sz="2000" dirty="0">
+                <a:solidFill>
+                  <a:srgbClr val="FF0000"/>
+                </a:solidFill>
+              </a:rPr>
+              <a:t>d:F+jcsb+mb:30</a:t>
+            </a:r>
+          </a:p>
+        </p:txBody>
+      </p:sp>
+      <p:sp>
+        <p:nvSpPr>
+          <p:cNvPr id="24" name="文字方塊 23">
+            <a:extLst>
+              <a:ext uri="{FF2B5EF4-FFF2-40B4-BE49-F238E27FC236}">
+                <a16:creationId xmlns:a16="http://schemas.microsoft.com/office/drawing/2014/main" id="{C3AC69CB-DFE5-4DC5-24EC-F177872B5AA3}"/>
+              </a:ext>
+            </a:extLst>
+          </p:cNvPr>
+          <p:cNvSpPr txBox="1"/>
+          <p:nvPr/>
+        </p:nvSpPr>
+        <p:spPr>
+          <a:xfrm>
+            <a:off x="1544360" y="2496913"/>
+            <a:ext cx="2386508" cy="400110"/>
+          </a:xfrm>
+          <a:prstGeom prst="rect">
+            <a:avLst/>
+          </a:prstGeom>
+          <a:noFill/>
+        </p:spPr>
+        <p:txBody>
+          <a:bodyPr wrap="square" rtlCol="0">
+            <a:spAutoFit/>
+          </a:bodyPr>
+          <a:lstStyle/>
+          <a:p>
+            <a:r>
+              <a:rPr lang="en-US" altLang="zh-TW" sz="2000" dirty="0">
+                <a:solidFill>
+                  <a:srgbClr val="FF0000"/>
+                </a:solidFill>
+              </a:rPr>
+              <a:t>.logo-&gt;d:b+w:22%</a:t>
+            </a:r>
+          </a:p>
+        </p:txBody>
+      </p:sp>
+      <p:sp>
+        <p:nvSpPr>
+          <p:cNvPr id="25" name="文字方塊 24">
+            <a:extLst>
+              <a:ext uri="{FF2B5EF4-FFF2-40B4-BE49-F238E27FC236}">
+                <a16:creationId xmlns:a16="http://schemas.microsoft.com/office/drawing/2014/main" id="{E9445E15-C24B-77BA-3D7F-21609D582556}"/>
+              </a:ext>
+            </a:extLst>
+          </p:cNvPr>
+          <p:cNvSpPr txBox="1"/>
+          <p:nvPr/>
+        </p:nvSpPr>
+        <p:spPr>
+          <a:xfrm>
+            <a:off x="7800645" y="1701589"/>
+            <a:ext cx="2386508" cy="400110"/>
+          </a:xfrm>
+          <a:prstGeom prst="rect">
+            <a:avLst/>
+          </a:prstGeom>
+          <a:noFill/>
+        </p:spPr>
+        <p:txBody>
+          <a:bodyPr wrap="square" rtlCol="0">
+            <a:spAutoFit/>
+          </a:bodyPr>
+          <a:lstStyle/>
+          <a:p>
+            <a:r>
+              <a:rPr lang="en-US" altLang="zh-TW" sz="2000" dirty="0">
+                <a:solidFill>
+                  <a:srgbClr val="FF0000"/>
+                </a:solidFill>
+              </a:rPr>
+              <a:t>d:f+jcsb+ai:c</a:t>
+            </a:r>
+          </a:p>
+        </p:txBody>
+      </p:sp>
+      <p:sp>
+        <p:nvSpPr>
+          <p:cNvPr id="26" name="文字方塊 25">
+            <a:extLst>
+              <a:ext uri="{FF2B5EF4-FFF2-40B4-BE49-F238E27FC236}">
+                <a16:creationId xmlns:a16="http://schemas.microsoft.com/office/drawing/2014/main" id="{644EBA61-C9F1-1A42-9E2A-50807C6B881C}"/>
+              </a:ext>
+            </a:extLst>
+          </p:cNvPr>
+          <p:cNvSpPr txBox="1"/>
+          <p:nvPr/>
+        </p:nvSpPr>
+        <p:spPr>
+          <a:xfrm>
+            <a:off x="7019594" y="2414155"/>
+            <a:ext cx="3326525" cy="707886"/>
+          </a:xfrm>
+          <a:prstGeom prst="rect">
+            <a:avLst/>
+          </a:prstGeom>
+          <a:noFill/>
+        </p:spPr>
+        <p:txBody>
+          <a:bodyPr wrap="square" rtlCol="0">
+            <a:spAutoFit/>
+          </a:bodyPr>
+          <a:lstStyle/>
+          <a:p>
+            <a:r>
+              <a:rPr lang="en-US" altLang="zh-TW" sz="2000" dirty="0">
+                <a:solidFill>
+                  <a:srgbClr val="FF0000"/>
+                </a:solidFill>
+              </a:rPr>
+              <a:t>d:b+ td:n+ta:c+p:0 30 +lh:2+fz:16+fw:b</a:t>
+            </a:r>
+          </a:p>
+        </p:txBody>
+      </p:sp>
+      <p:sp>
+        <p:nvSpPr>
+          <p:cNvPr id="27" name="文字方塊 26">
+            <a:extLst>
+              <a:ext uri="{FF2B5EF4-FFF2-40B4-BE49-F238E27FC236}">
+                <a16:creationId xmlns:a16="http://schemas.microsoft.com/office/drawing/2014/main" id="{BC1FB26E-97E7-54F1-91A5-F3631405A82D}"/>
+              </a:ext>
+            </a:extLst>
+          </p:cNvPr>
+          <p:cNvSpPr txBox="1"/>
+          <p:nvPr/>
+        </p:nvSpPr>
+        <p:spPr>
+          <a:xfrm>
+            <a:off x="7074962" y="3179260"/>
+            <a:ext cx="3326525" cy="707886"/>
+          </a:xfrm>
+          <a:prstGeom prst="rect">
+            <a:avLst/>
+          </a:prstGeom>
+          <a:noFill/>
+        </p:spPr>
+        <p:txBody>
+          <a:bodyPr wrap="square" rtlCol="0">
+            <a:spAutoFit/>
+          </a:bodyPr>
+          <a:lstStyle/>
+          <a:p>
+            <a:r>
+              <a:rPr lang="en-US" altLang="zh-TW" sz="2000" dirty="0">
+                <a:solidFill>
+                  <a:srgbClr val="FF0000"/>
+                </a:solidFill>
+              </a:rPr>
+              <a:t>A:hover-&gt; co:#EAF0Ed</a:t>
+            </a:r>
+          </a:p>
+          <a:p>
+            <a:r>
+              <a:rPr lang="en-US" altLang="zh-TW" sz="2000" dirty="0" err="1">
+                <a:solidFill>
+                  <a:srgbClr val="FF0000"/>
+                </a:solidFill>
+              </a:rPr>
+              <a:t>Bg</a:t>
+            </a:r>
+            <a:r>
+              <a:rPr lang="en-US" altLang="zh-TW" sz="2000" dirty="0">
+                <a:solidFill>
+                  <a:srgbClr val="FF0000"/>
+                </a:solidFill>
+              </a:rPr>
+              <a:t>:#3F5D45</a:t>
+            </a:r>
+          </a:p>
+        </p:txBody>
+      </p:sp>
+      <p:sp>
+        <p:nvSpPr>
+          <p:cNvPr id="28" name="文字方塊 27">
+            <a:extLst>
+              <a:ext uri="{FF2B5EF4-FFF2-40B4-BE49-F238E27FC236}">
+                <a16:creationId xmlns:a16="http://schemas.microsoft.com/office/drawing/2014/main" id="{3E7E00BF-C00B-58A3-7711-D3E5F3B51477}"/>
+              </a:ext>
+            </a:extLst>
+          </p:cNvPr>
+          <p:cNvSpPr txBox="1"/>
+          <p:nvPr/>
+        </p:nvSpPr>
+        <p:spPr>
+          <a:xfrm>
+            <a:off x="9954844" y="3000814"/>
+            <a:ext cx="2386508" cy="400110"/>
+          </a:xfrm>
+          <a:prstGeom prst="rect">
+            <a:avLst/>
+          </a:prstGeom>
+          <a:noFill/>
+        </p:spPr>
+        <p:txBody>
+          <a:bodyPr wrap="square" rtlCol="0">
+            <a:spAutoFit/>
+          </a:bodyPr>
+          <a:lstStyle/>
+          <a:p>
+            <a:r>
+              <a:rPr lang="en-US" altLang="zh-TW" sz="2000" dirty="0">
+                <a:solidFill>
+                  <a:srgbClr val="FF0000"/>
+                </a:solidFill>
+              </a:rPr>
+              <a:t>.</a:t>
+            </a:r>
+            <a:r>
+              <a:rPr lang="en-US" altLang="zh-TW" sz="2000" dirty="0" err="1">
+                <a:solidFill>
+                  <a:srgbClr val="FF0000"/>
+                </a:solidFill>
+              </a:rPr>
+              <a:t>cardImg</a:t>
+            </a:r>
+            <a:r>
+              <a:rPr lang="en-US" altLang="zh-TW" sz="2000" dirty="0">
+                <a:solidFill>
+                  <a:srgbClr val="FF0000"/>
+                </a:solidFill>
+              </a:rPr>
+              <a:t>-&gt;ml:80</a:t>
+            </a:r>
+          </a:p>
+        </p:txBody>
+      </p:sp>
+      <p:sp>
+        <p:nvSpPr>
+          <p:cNvPr id="29" name="文字方塊 28">
+            <a:extLst>
+              <a:ext uri="{FF2B5EF4-FFF2-40B4-BE49-F238E27FC236}">
+                <a16:creationId xmlns:a16="http://schemas.microsoft.com/office/drawing/2014/main" id="{4340FF7C-51BB-CA88-487F-B02763B2F71A}"/>
+              </a:ext>
+            </a:extLst>
+          </p:cNvPr>
+          <p:cNvSpPr txBox="1"/>
+          <p:nvPr/>
+        </p:nvSpPr>
+        <p:spPr>
+          <a:xfrm>
+            <a:off x="1415938" y="4465257"/>
+            <a:ext cx="2386508" cy="400110"/>
+          </a:xfrm>
+          <a:prstGeom prst="rect">
+            <a:avLst/>
+          </a:prstGeom>
+          <a:noFill/>
+        </p:spPr>
+        <p:txBody>
+          <a:bodyPr wrap="square" rtlCol="0">
+            <a:spAutoFit/>
+          </a:bodyPr>
+          <a:lstStyle/>
+          <a:p>
+            <a:r>
+              <a:rPr lang="en-US" altLang="zh-TW" sz="2000" dirty="0">
+                <a:solidFill>
+                  <a:srgbClr val="FF0000"/>
+                </a:solidFill>
+              </a:rPr>
+              <a:t>mb:60</a:t>
+            </a:r>
+          </a:p>
+        </p:txBody>
+      </p:sp>
+      <p:sp>
+        <p:nvSpPr>
+          <p:cNvPr id="30" name="文字方塊 29">
+            <a:extLst>
+              <a:ext uri="{FF2B5EF4-FFF2-40B4-BE49-F238E27FC236}">
+                <a16:creationId xmlns:a16="http://schemas.microsoft.com/office/drawing/2014/main" id="{1813A977-AD9E-0ACE-3818-E744DC57D79A}"/>
+              </a:ext>
+            </a:extLst>
+          </p:cNvPr>
+          <p:cNvSpPr txBox="1"/>
+          <p:nvPr/>
+        </p:nvSpPr>
+        <p:spPr>
+          <a:xfrm>
+            <a:off x="1415938" y="5210610"/>
+            <a:ext cx="2386508" cy="707886"/>
+          </a:xfrm>
+          <a:prstGeom prst="rect">
+            <a:avLst/>
+          </a:prstGeom>
+          <a:noFill/>
+        </p:spPr>
+        <p:txBody>
+          <a:bodyPr wrap="square" rtlCol="0">
+            <a:spAutoFit/>
+          </a:bodyPr>
+          <a:lstStyle/>
+          <a:p>
+            <a:r>
+              <a:rPr lang="en-US" altLang="zh-TW" sz="2000" dirty="0">
+                <a:solidFill>
+                  <a:srgbClr val="FF0000"/>
+                </a:solidFill>
+              </a:rPr>
+              <a:t>.banner </a:t>
+            </a:r>
+            <a:r>
+              <a:rPr lang="en-US" altLang="zh-TW" sz="2000" dirty="0" err="1">
+                <a:solidFill>
+                  <a:srgbClr val="FF0000"/>
+                </a:solidFill>
+              </a:rPr>
+              <a:t>img</a:t>
+            </a:r>
+            <a:r>
+              <a:rPr lang="en-US" altLang="zh-TW" sz="2000" dirty="0">
+                <a:solidFill>
+                  <a:srgbClr val="FF0000"/>
+                </a:solidFill>
+              </a:rPr>
+              <a:t>-&gt; maw:100%</a:t>
+            </a:r>
+          </a:p>
+        </p:txBody>
+      </p:sp>
     </p:spTree>
     <p:extLst>
       <p:ext uri="{BB962C8B-B14F-4D97-AF65-F5344CB8AC3E}">
         <p14:creationId xmlns:p14="http://schemas.microsoft.com/office/powerpoint/2010/main" val="991936874"/>
+      </p:ext>
+    </p:extLst>
+  </p:cSld>
+  <p:clrMapOvr>
+    <a:masterClrMapping/>
+  </p:clrMapOvr>
+</p:sld>
+</file>
+
+<file path=ppt/slides/slide3.xml><?xml version="1.0" encoding="utf-8"?>
+<p:sld xmlns:a="http://schemas.openxmlformats.org/drawingml/2006/main" xmlns:r="http://schemas.openxmlformats.org/officeDocument/2006/relationships" xmlns:p="http://schemas.openxmlformats.org/presentationml/2006/main">
+  <p:cSld>
+    <p:spTree>
+      <p:nvGrpSpPr>
+        <p:cNvPr id="1" name=""/>
+        <p:cNvGrpSpPr/>
+        <p:nvPr/>
+      </p:nvGrpSpPr>
+      <p:grpSpPr>
+        <a:xfrm>
+          <a:off x="0" y="0"/>
+          <a:ext cx="0" cy="0"/>
+          <a:chOff x="0" y="0"/>
+          <a:chExt cx="0" cy="0"/>
+        </a:xfrm>
+      </p:grpSpPr>
+      <p:sp>
+        <p:nvSpPr>
+          <p:cNvPr id="4" name="文字方塊 3">
+            <a:extLst>
+              <a:ext uri="{FF2B5EF4-FFF2-40B4-BE49-F238E27FC236}">
+                <a16:creationId xmlns:a16="http://schemas.microsoft.com/office/drawing/2014/main" id="{C725BB91-5917-BD4F-E0FC-47D9DCCF57EA}"/>
+              </a:ext>
+            </a:extLst>
+          </p:cNvPr>
+          <p:cNvSpPr txBox="1"/>
+          <p:nvPr/>
+        </p:nvSpPr>
+        <p:spPr>
+          <a:xfrm>
+            <a:off x="243839" y="1282213"/>
+            <a:ext cx="2582488" cy="1015663"/>
+          </a:xfrm>
+          <a:prstGeom prst="rect">
+            <a:avLst/>
+          </a:prstGeom>
+          <a:noFill/>
+        </p:spPr>
+        <p:txBody>
+          <a:bodyPr wrap="square" rtlCol="0">
+            <a:spAutoFit/>
+          </a:bodyPr>
+          <a:lstStyle/>
+          <a:p>
+            <a:r>
+              <a:rPr lang="en-US" altLang="zh-TW" sz="2000" dirty="0"/>
+              <a:t>.</a:t>
+            </a:r>
+            <a:r>
+              <a:rPr lang="en-US" altLang="zh-TW" sz="2000" dirty="0" err="1"/>
+              <a:t>fz</a:t>
+            </a:r>
+            <a:r>
+              <a:rPr lang="en-US" altLang="zh-TW" sz="2000" dirty="0"/>
+              <a:t>-co-primary{</a:t>
+            </a:r>
+          </a:p>
+          <a:p>
+            <a:r>
+              <a:rPr lang="en-US" altLang="zh-TW" sz="2000" dirty="0"/>
+              <a:t>    color:#3F5D45;</a:t>
+            </a:r>
+          </a:p>
+          <a:p>
+            <a:r>
+              <a:rPr lang="en-US" altLang="zh-TW" sz="2000" dirty="0"/>
+              <a:t>}</a:t>
+            </a:r>
+          </a:p>
+        </p:txBody>
+      </p:sp>
+      <p:sp>
+        <p:nvSpPr>
+          <p:cNvPr id="5" name="文字方塊 4">
+            <a:extLst>
+              <a:ext uri="{FF2B5EF4-FFF2-40B4-BE49-F238E27FC236}">
+                <a16:creationId xmlns:a16="http://schemas.microsoft.com/office/drawing/2014/main" id="{E26FFC78-F153-B15B-1032-84E2AAA150E3}"/>
+              </a:ext>
+            </a:extLst>
+          </p:cNvPr>
+          <p:cNvSpPr txBox="1"/>
+          <p:nvPr/>
+        </p:nvSpPr>
+        <p:spPr>
+          <a:xfrm>
+            <a:off x="2610197" y="1317170"/>
+            <a:ext cx="3092334" cy="1015663"/>
+          </a:xfrm>
+          <a:prstGeom prst="rect">
+            <a:avLst/>
+          </a:prstGeom>
+          <a:noFill/>
+        </p:spPr>
+        <p:txBody>
+          <a:bodyPr wrap="square" rtlCol="0">
+            <a:spAutoFit/>
+          </a:bodyPr>
+          <a:lstStyle/>
+          <a:p>
+            <a:r>
+              <a:rPr lang="en-US" altLang="zh-TW" sz="2000" dirty="0"/>
+              <a:t>.</a:t>
+            </a:r>
+            <a:r>
+              <a:rPr lang="en-US" altLang="zh-TW" sz="2000" dirty="0" err="1"/>
+              <a:t>fz</a:t>
+            </a:r>
+            <a:r>
+              <a:rPr lang="en-US" altLang="zh-TW" sz="2000" dirty="0"/>
+              <a:t>-co-secondary{</a:t>
+            </a:r>
+          </a:p>
+          <a:p>
+            <a:r>
+              <a:rPr lang="en-US" altLang="zh-TW" sz="2000" dirty="0"/>
+              <a:t>    color:#EAF0ED;</a:t>
+            </a:r>
+          </a:p>
+          <a:p>
+            <a:r>
+              <a:rPr lang="en-US" altLang="zh-TW" sz="2000" dirty="0"/>
+              <a:t>}</a:t>
+            </a:r>
+          </a:p>
+        </p:txBody>
+      </p:sp>
+      <p:sp>
+        <p:nvSpPr>
+          <p:cNvPr id="6" name="文字方塊 5">
+            <a:extLst>
+              <a:ext uri="{FF2B5EF4-FFF2-40B4-BE49-F238E27FC236}">
+                <a16:creationId xmlns:a16="http://schemas.microsoft.com/office/drawing/2014/main" id="{AB0E7486-DAE6-E7EA-4347-6693CE6689A9}"/>
+              </a:ext>
+            </a:extLst>
+          </p:cNvPr>
+          <p:cNvSpPr txBox="1"/>
+          <p:nvPr/>
+        </p:nvSpPr>
+        <p:spPr>
+          <a:xfrm>
+            <a:off x="5505797" y="1282213"/>
+            <a:ext cx="3377739" cy="1015663"/>
+          </a:xfrm>
+          <a:prstGeom prst="rect">
+            <a:avLst/>
+          </a:prstGeom>
+          <a:noFill/>
+        </p:spPr>
+        <p:txBody>
+          <a:bodyPr wrap="square" rtlCol="0">
+            <a:spAutoFit/>
+          </a:bodyPr>
+          <a:lstStyle/>
+          <a:p>
+            <a:r>
+              <a:rPr lang="en-US" altLang="zh-TW" sz="2000" dirty="0"/>
+              <a:t>.</a:t>
+            </a:r>
+            <a:r>
+              <a:rPr lang="en-US" altLang="zh-TW" sz="2000" dirty="0" err="1"/>
+              <a:t>bg</a:t>
+            </a:r>
+            <a:r>
+              <a:rPr lang="en-US" altLang="zh-TW" sz="2000" dirty="0"/>
+              <a:t>-co-primary{</a:t>
+            </a:r>
+          </a:p>
+          <a:p>
+            <a:r>
+              <a:rPr lang="en-US" altLang="zh-TW" sz="2000" dirty="0"/>
+              <a:t>    background:#3F5D45;</a:t>
+            </a:r>
+          </a:p>
+          <a:p>
+            <a:r>
+              <a:rPr lang="en-US" altLang="zh-TW" sz="2000" dirty="0"/>
+              <a:t>}</a:t>
+            </a:r>
+          </a:p>
+        </p:txBody>
+      </p:sp>
+      <p:sp>
+        <p:nvSpPr>
+          <p:cNvPr id="7" name="文字方塊 6">
+            <a:extLst>
+              <a:ext uri="{FF2B5EF4-FFF2-40B4-BE49-F238E27FC236}">
+                <a16:creationId xmlns:a16="http://schemas.microsoft.com/office/drawing/2014/main" id="{9288849B-472C-E68F-B519-9B54C1CB0F4F}"/>
+              </a:ext>
+            </a:extLst>
+          </p:cNvPr>
+          <p:cNvSpPr txBox="1"/>
+          <p:nvPr/>
+        </p:nvSpPr>
+        <p:spPr>
+          <a:xfrm>
+            <a:off x="8598131" y="1282213"/>
+            <a:ext cx="3377739" cy="1015663"/>
+          </a:xfrm>
+          <a:prstGeom prst="rect">
+            <a:avLst/>
+          </a:prstGeom>
+          <a:noFill/>
+        </p:spPr>
+        <p:txBody>
+          <a:bodyPr wrap="square" rtlCol="0">
+            <a:spAutoFit/>
+          </a:bodyPr>
+          <a:lstStyle/>
+          <a:p>
+            <a:r>
+              <a:rPr lang="en-US" altLang="zh-TW" sz="2000" dirty="0"/>
+              <a:t>.</a:t>
+            </a:r>
+            <a:r>
+              <a:rPr lang="en-US" altLang="zh-TW" sz="2000" dirty="0" err="1"/>
+              <a:t>bg</a:t>
+            </a:r>
+            <a:r>
+              <a:rPr lang="en-US" altLang="zh-TW" sz="2000" dirty="0"/>
+              <a:t>-co-secondary{</a:t>
+            </a:r>
+          </a:p>
+          <a:p>
+            <a:r>
+              <a:rPr lang="en-US" altLang="zh-TW" sz="2000" dirty="0"/>
+              <a:t>    background:#EAF0ED;</a:t>
+            </a:r>
+          </a:p>
+          <a:p>
+            <a:r>
+              <a:rPr lang="en-US" altLang="zh-TW" sz="2000" dirty="0"/>
+              <a:t>}</a:t>
+            </a:r>
+            <a:endParaRPr lang="zh-TW" altLang="en-US" sz="2000" dirty="0"/>
+          </a:p>
+        </p:txBody>
+      </p:sp>
+      <p:sp>
+        <p:nvSpPr>
+          <p:cNvPr id="8" name="文字方塊 7">
+            <a:extLst>
+              <a:ext uri="{FF2B5EF4-FFF2-40B4-BE49-F238E27FC236}">
+                <a16:creationId xmlns:a16="http://schemas.microsoft.com/office/drawing/2014/main" id="{E04144B1-8A26-2E9A-DED3-BB63805431E5}"/>
+              </a:ext>
+            </a:extLst>
+          </p:cNvPr>
+          <p:cNvSpPr txBox="1"/>
+          <p:nvPr/>
+        </p:nvSpPr>
+        <p:spPr>
+          <a:xfrm>
+            <a:off x="243839" y="0"/>
+            <a:ext cx="5481148" cy="1323439"/>
+          </a:xfrm>
+          <a:prstGeom prst="rect">
+            <a:avLst/>
+          </a:prstGeom>
+          <a:noFill/>
+        </p:spPr>
+        <p:txBody>
+          <a:bodyPr wrap="square" rtlCol="0">
+            <a:spAutoFit/>
+          </a:bodyPr>
+          <a:lstStyle/>
+          <a:p>
+            <a:r>
+              <a:rPr lang="en-US" altLang="zh-TW" sz="2000" dirty="0" err="1"/>
+              <a:t>Css</a:t>
+            </a:r>
+            <a:r>
+              <a:rPr lang="zh-TW" altLang="en-US" sz="2000" dirty="0"/>
+              <a:t>樣式</a:t>
+            </a:r>
+            <a:r>
+              <a:rPr lang="en-US" altLang="zh-TW" sz="2000" dirty="0"/>
+              <a:t>-</a:t>
+            </a:r>
+            <a:r>
+              <a:rPr lang="zh-TW" altLang="en-US" sz="2000" dirty="0"/>
+              <a:t>基本設定</a:t>
+            </a:r>
+            <a:endParaRPr lang="en-US" altLang="zh-TW" sz="2000" dirty="0"/>
+          </a:p>
+          <a:p>
+            <a:r>
+              <a:rPr lang="en-US" altLang="zh-TW" sz="2000" dirty="0"/>
+              <a:t>body{</a:t>
+            </a:r>
+          </a:p>
+          <a:p>
+            <a:r>
+              <a:rPr lang="en-US" altLang="zh-TW" sz="2000" dirty="0"/>
+              <a:t>    font-family: "</a:t>
+            </a:r>
+            <a:r>
+              <a:rPr lang="en-US" altLang="zh-TW" sz="2000" dirty="0" err="1"/>
+              <a:t>PingFangTC-Semibold</a:t>
+            </a:r>
+            <a:r>
+              <a:rPr lang="en-US" altLang="zh-TW" sz="2000" dirty="0"/>
+              <a:t>", sans-serif;</a:t>
+            </a:r>
+          </a:p>
+          <a:p>
+            <a:r>
+              <a:rPr lang="en-US" altLang="zh-TW" sz="2000" dirty="0"/>
+              <a:t>}</a:t>
+            </a:r>
+          </a:p>
+        </p:txBody>
+      </p:sp>
+      <p:sp>
+        <p:nvSpPr>
+          <p:cNvPr id="9" name="文字方塊 8">
+            <a:extLst>
+              <a:ext uri="{FF2B5EF4-FFF2-40B4-BE49-F238E27FC236}">
+                <a16:creationId xmlns:a16="http://schemas.microsoft.com/office/drawing/2014/main" id="{1E645F4D-DC3E-33A8-D0E9-296A83139CCE}"/>
+              </a:ext>
+            </a:extLst>
+          </p:cNvPr>
+          <p:cNvSpPr txBox="1"/>
+          <p:nvPr/>
+        </p:nvSpPr>
+        <p:spPr>
+          <a:xfrm>
+            <a:off x="5724987" y="324466"/>
+            <a:ext cx="3533269" cy="1015663"/>
+          </a:xfrm>
+          <a:prstGeom prst="rect">
+            <a:avLst/>
+          </a:prstGeom>
+          <a:noFill/>
+        </p:spPr>
+        <p:txBody>
+          <a:bodyPr wrap="square" rtlCol="0">
+            <a:spAutoFit/>
+          </a:bodyPr>
+          <a:lstStyle/>
+          <a:p>
+            <a:r>
+              <a:rPr lang="en-US" altLang="zh-TW" sz="2000" dirty="0"/>
+              <a:t>*,*:before,*:after{</a:t>
+            </a:r>
+          </a:p>
+          <a:p>
+            <a:r>
+              <a:rPr lang="en-US" altLang="zh-TW" sz="2000" dirty="0"/>
+              <a:t>    box-sizing: border-box;</a:t>
+            </a:r>
+          </a:p>
+          <a:p>
+            <a:r>
+              <a:rPr lang="en-US" altLang="zh-TW" sz="2000" dirty="0"/>
+              <a:t>}</a:t>
+            </a:r>
+          </a:p>
+        </p:txBody>
+      </p:sp>
+      <p:sp>
+        <p:nvSpPr>
+          <p:cNvPr id="10" name="矩形 9">
+            <a:extLst>
+              <a:ext uri="{FF2B5EF4-FFF2-40B4-BE49-F238E27FC236}">
+                <a16:creationId xmlns:a16="http://schemas.microsoft.com/office/drawing/2014/main" id="{42E2BED3-EF04-B3B5-6D22-206547F5111B}"/>
+              </a:ext>
+            </a:extLst>
+          </p:cNvPr>
+          <p:cNvSpPr/>
+          <p:nvPr/>
+        </p:nvSpPr>
+        <p:spPr>
+          <a:xfrm>
+            <a:off x="243839" y="2857937"/>
+            <a:ext cx="11732031" cy="3840480"/>
+          </a:xfrm>
+          <a:prstGeom prst="rect">
+            <a:avLst/>
+          </a:prstGeom>
+          <a:noFill/>
+        </p:spPr>
+        <p:style>
+          <a:lnRef idx="2">
+            <a:schemeClr val="accent1">
+              <a:shade val="50000"/>
+            </a:schemeClr>
+          </a:lnRef>
+          <a:fillRef idx="1">
+            <a:schemeClr val="accent1"/>
+          </a:fillRef>
+          <a:effectRef idx="0">
+            <a:schemeClr val="accent1"/>
+          </a:effectRef>
+          <a:fontRef idx="minor">
+            <a:schemeClr val="lt1"/>
+          </a:fontRef>
+        </p:style>
+        <p:txBody>
+          <a:bodyPr rtlCol="0" anchor="ctr"/>
+          <a:lstStyle/>
+          <a:p>
+            <a:pPr algn="ctr"/>
+            <a:endParaRPr lang="zh-TW" altLang="en-US"/>
+          </a:p>
+        </p:txBody>
+      </p:sp>
+      <p:sp>
+        <p:nvSpPr>
+          <p:cNvPr id="11" name="矩形 10">
+            <a:extLst>
+              <a:ext uri="{FF2B5EF4-FFF2-40B4-BE49-F238E27FC236}">
+                <a16:creationId xmlns:a16="http://schemas.microsoft.com/office/drawing/2014/main" id="{30826CCB-DCE9-2356-78D3-E8B2355F96DB}"/>
+              </a:ext>
+            </a:extLst>
+          </p:cNvPr>
+          <p:cNvSpPr/>
+          <p:nvPr/>
+        </p:nvSpPr>
+        <p:spPr>
+          <a:xfrm>
+            <a:off x="4605903" y="3028604"/>
+            <a:ext cx="7189856" cy="3538451"/>
+          </a:xfrm>
+          <a:prstGeom prst="rect">
+            <a:avLst/>
+          </a:prstGeom>
+          <a:noFill/>
+        </p:spPr>
+        <p:style>
+          <a:lnRef idx="2">
+            <a:schemeClr val="accent1">
+              <a:shade val="50000"/>
+            </a:schemeClr>
+          </a:lnRef>
+          <a:fillRef idx="1">
+            <a:schemeClr val="accent1"/>
+          </a:fillRef>
+          <a:effectRef idx="0">
+            <a:schemeClr val="accent1"/>
+          </a:effectRef>
+          <a:fontRef idx="minor">
+            <a:schemeClr val="lt1"/>
+          </a:fontRef>
+        </p:style>
+        <p:txBody>
+          <a:bodyPr rtlCol="0" anchor="ctr"/>
+          <a:lstStyle/>
+          <a:p>
+            <a:pPr algn="ctr"/>
+            <a:endParaRPr lang="zh-TW" altLang="en-US"/>
+          </a:p>
+        </p:txBody>
+      </p:sp>
+      <p:sp>
+        <p:nvSpPr>
+          <p:cNvPr id="12" name="矩形 11">
+            <a:extLst>
+              <a:ext uri="{FF2B5EF4-FFF2-40B4-BE49-F238E27FC236}">
+                <a16:creationId xmlns:a16="http://schemas.microsoft.com/office/drawing/2014/main" id="{C26784F4-1BB6-F6E1-F186-BB8ACEC780E4}"/>
+              </a:ext>
+            </a:extLst>
+          </p:cNvPr>
+          <p:cNvSpPr/>
+          <p:nvPr/>
+        </p:nvSpPr>
+        <p:spPr>
+          <a:xfrm>
+            <a:off x="396241" y="3028604"/>
+            <a:ext cx="3992880" cy="3538451"/>
+          </a:xfrm>
+          <a:prstGeom prst="rect">
+            <a:avLst/>
+          </a:prstGeom>
+          <a:noFill/>
+        </p:spPr>
+        <p:style>
+          <a:lnRef idx="2">
+            <a:schemeClr val="accent1">
+              <a:shade val="50000"/>
+            </a:schemeClr>
+          </a:lnRef>
+          <a:fillRef idx="1">
+            <a:schemeClr val="accent1"/>
+          </a:fillRef>
+          <a:effectRef idx="0">
+            <a:schemeClr val="accent1"/>
+          </a:effectRef>
+          <a:fontRef idx="minor">
+            <a:schemeClr val="lt1"/>
+          </a:fontRef>
+        </p:style>
+        <p:txBody>
+          <a:bodyPr rtlCol="0" anchor="ctr"/>
+          <a:lstStyle/>
+          <a:p>
+            <a:pPr algn="ctr"/>
+            <a:endParaRPr lang="zh-TW" altLang="en-US"/>
+          </a:p>
+        </p:txBody>
+      </p:sp>
+      <p:sp>
+        <p:nvSpPr>
+          <p:cNvPr id="15" name="文字方塊 14">
+            <a:extLst>
+              <a:ext uri="{FF2B5EF4-FFF2-40B4-BE49-F238E27FC236}">
+                <a16:creationId xmlns:a16="http://schemas.microsoft.com/office/drawing/2014/main" id="{29226F3F-DE86-1AC9-5949-29ECCC905ABB}"/>
+              </a:ext>
+            </a:extLst>
+          </p:cNvPr>
+          <p:cNvSpPr txBox="1"/>
+          <p:nvPr/>
+        </p:nvSpPr>
+        <p:spPr>
+          <a:xfrm>
+            <a:off x="216130" y="2488605"/>
+            <a:ext cx="3326525" cy="369332"/>
+          </a:xfrm>
+          <a:prstGeom prst="rect">
+            <a:avLst/>
+          </a:prstGeom>
+          <a:noFill/>
+        </p:spPr>
+        <p:txBody>
+          <a:bodyPr wrap="square" rtlCol="0">
+            <a:spAutoFit/>
+          </a:bodyPr>
+          <a:lstStyle/>
+          <a:p>
+            <a:r>
+              <a:rPr lang="en-US" altLang="zh-TW" dirty="0"/>
+              <a:t>.main</a:t>
+            </a:r>
+            <a:endParaRPr lang="zh-TW" altLang="en-US" dirty="0"/>
+          </a:p>
+        </p:txBody>
+      </p:sp>
+      <p:sp>
+        <p:nvSpPr>
+          <p:cNvPr id="16" name="文字方塊 15">
+            <a:extLst>
+              <a:ext uri="{FF2B5EF4-FFF2-40B4-BE49-F238E27FC236}">
+                <a16:creationId xmlns:a16="http://schemas.microsoft.com/office/drawing/2014/main" id="{0B3C916B-A639-54F3-6269-18F400E14E43}"/>
+              </a:ext>
+            </a:extLst>
+          </p:cNvPr>
+          <p:cNvSpPr txBox="1"/>
+          <p:nvPr/>
+        </p:nvSpPr>
+        <p:spPr>
+          <a:xfrm>
+            <a:off x="505690" y="3032693"/>
+            <a:ext cx="3326525" cy="369332"/>
+          </a:xfrm>
+          <a:prstGeom prst="rect">
+            <a:avLst/>
+          </a:prstGeom>
+          <a:noFill/>
+        </p:spPr>
+        <p:txBody>
+          <a:bodyPr wrap="square" rtlCol="0">
+            <a:spAutoFit/>
+          </a:bodyPr>
+          <a:lstStyle/>
+          <a:p>
+            <a:r>
+              <a:rPr lang="en-US" altLang="zh-TW"/>
+              <a:t>.aside</a:t>
+            </a:r>
+            <a:endParaRPr lang="zh-TW" altLang="en-US" dirty="0"/>
+          </a:p>
+        </p:txBody>
+      </p:sp>
+    </p:spTree>
+    <p:extLst>
+      <p:ext uri="{BB962C8B-B14F-4D97-AF65-F5344CB8AC3E}">
+        <p14:creationId xmlns:p14="http://schemas.microsoft.com/office/powerpoint/2010/main" val="1561468941"/>
       </p:ext>
     </p:extLst>
   </p:cSld>

--- a/公益體驗營/公益程式體驗營(作業架構圖2).pptx
+++ b/公益體驗營/公益程式體驗營(作業架構圖2).pptx
@@ -8,6 +8,7 @@
     <p:sldId id="256" r:id="rId2"/>
     <p:sldId id="257" r:id="rId3"/>
     <p:sldId id="258" r:id="rId4"/>
+    <p:sldId id="259" r:id="rId5"/>
   </p:sldIdLst>
   <p:sldSz cx="12192000" cy="6858000"/>
   <p:notesSz cx="6858000" cy="9144000"/>
@@ -261,7 +262,7 @@
           <a:p>
             <a:fld id="{EAD7225C-026E-4CD4-87B4-A973251D3C0D}" type="datetimeFigureOut">
               <a:rPr lang="zh-TW" altLang="en-US" smtClean="0"/>
-              <a:t>2022/5/15</a:t>
+              <a:t>2022/5/20</a:t>
             </a:fld>
             <a:endParaRPr lang="zh-TW" altLang="en-US"/>
           </a:p>
@@ -459,7 +460,7 @@
           <a:p>
             <a:fld id="{EAD7225C-026E-4CD4-87B4-A973251D3C0D}" type="datetimeFigureOut">
               <a:rPr lang="zh-TW" altLang="en-US" smtClean="0"/>
-              <a:t>2022/5/15</a:t>
+              <a:t>2022/5/20</a:t>
             </a:fld>
             <a:endParaRPr lang="zh-TW" altLang="en-US"/>
           </a:p>
@@ -667,7 +668,7 @@
           <a:p>
             <a:fld id="{EAD7225C-026E-4CD4-87B4-A973251D3C0D}" type="datetimeFigureOut">
               <a:rPr lang="zh-TW" altLang="en-US" smtClean="0"/>
-              <a:t>2022/5/15</a:t>
+              <a:t>2022/5/20</a:t>
             </a:fld>
             <a:endParaRPr lang="zh-TW" altLang="en-US"/>
           </a:p>
@@ -865,7 +866,7 @@
           <a:p>
             <a:fld id="{EAD7225C-026E-4CD4-87B4-A973251D3C0D}" type="datetimeFigureOut">
               <a:rPr lang="zh-TW" altLang="en-US" smtClean="0"/>
-              <a:t>2022/5/15</a:t>
+              <a:t>2022/5/20</a:t>
             </a:fld>
             <a:endParaRPr lang="zh-TW" altLang="en-US"/>
           </a:p>
@@ -1140,7 +1141,7 @@
           <a:p>
             <a:fld id="{EAD7225C-026E-4CD4-87B4-A973251D3C0D}" type="datetimeFigureOut">
               <a:rPr lang="zh-TW" altLang="en-US" smtClean="0"/>
-              <a:t>2022/5/15</a:t>
+              <a:t>2022/5/20</a:t>
             </a:fld>
             <a:endParaRPr lang="zh-TW" altLang="en-US"/>
           </a:p>
@@ -1405,7 +1406,7 @@
           <a:p>
             <a:fld id="{EAD7225C-026E-4CD4-87B4-A973251D3C0D}" type="datetimeFigureOut">
               <a:rPr lang="zh-TW" altLang="en-US" smtClean="0"/>
-              <a:t>2022/5/15</a:t>
+              <a:t>2022/5/20</a:t>
             </a:fld>
             <a:endParaRPr lang="zh-TW" altLang="en-US"/>
           </a:p>
@@ -1817,7 +1818,7 @@
           <a:p>
             <a:fld id="{EAD7225C-026E-4CD4-87B4-A973251D3C0D}" type="datetimeFigureOut">
               <a:rPr lang="zh-TW" altLang="en-US" smtClean="0"/>
-              <a:t>2022/5/15</a:t>
+              <a:t>2022/5/20</a:t>
             </a:fld>
             <a:endParaRPr lang="zh-TW" altLang="en-US"/>
           </a:p>
@@ -1958,7 +1959,7 @@
           <a:p>
             <a:fld id="{EAD7225C-026E-4CD4-87B4-A973251D3C0D}" type="datetimeFigureOut">
               <a:rPr lang="zh-TW" altLang="en-US" smtClean="0"/>
-              <a:t>2022/5/15</a:t>
+              <a:t>2022/5/20</a:t>
             </a:fld>
             <a:endParaRPr lang="zh-TW" altLang="en-US"/>
           </a:p>
@@ -2071,7 +2072,7 @@
           <a:p>
             <a:fld id="{EAD7225C-026E-4CD4-87B4-A973251D3C0D}" type="datetimeFigureOut">
               <a:rPr lang="zh-TW" altLang="en-US" smtClean="0"/>
-              <a:t>2022/5/15</a:t>
+              <a:t>2022/5/20</a:t>
             </a:fld>
             <a:endParaRPr lang="zh-TW" altLang="en-US"/>
           </a:p>
@@ -2382,7 +2383,7 @@
           <a:p>
             <a:fld id="{EAD7225C-026E-4CD4-87B4-A973251D3C0D}" type="datetimeFigureOut">
               <a:rPr lang="zh-TW" altLang="en-US" smtClean="0"/>
-              <a:t>2022/5/15</a:t>
+              <a:t>2022/5/20</a:t>
             </a:fld>
             <a:endParaRPr lang="zh-TW" altLang="en-US"/>
           </a:p>
@@ -2670,7 +2671,7 @@
           <a:p>
             <a:fld id="{EAD7225C-026E-4CD4-87B4-A973251D3C0D}" type="datetimeFigureOut">
               <a:rPr lang="zh-TW" altLang="en-US" smtClean="0"/>
-              <a:t>2022/5/15</a:t>
+              <a:t>2022/5/20</a:t>
             </a:fld>
             <a:endParaRPr lang="zh-TW" altLang="en-US"/>
           </a:p>
@@ -2911,7 +2912,7 @@
           <a:p>
             <a:fld id="{EAD7225C-026E-4CD4-87B4-A973251D3C0D}" type="datetimeFigureOut">
               <a:rPr lang="zh-TW" altLang="en-US" smtClean="0"/>
-              <a:t>2022/5/15</a:t>
+              <a:t>2022/5/20</a:t>
             </a:fld>
             <a:endParaRPr lang="zh-TW" altLang="en-US"/>
           </a:p>
@@ -6895,10 +6896,945 @@
           <a:lstStyle/>
           <a:p>
             <a:r>
-              <a:rPr lang="en-US" altLang="zh-TW"/>
+              <a:rPr lang="en-US" altLang="zh-TW" dirty="0"/>
               <a:t>.aside</a:t>
             </a:r>
             <a:endParaRPr lang="zh-TW" altLang="en-US" dirty="0"/>
+          </a:p>
+        </p:txBody>
+      </p:sp>
+      <p:sp>
+        <p:nvSpPr>
+          <p:cNvPr id="13" name="文字方塊 12">
+            <a:extLst>
+              <a:ext uri="{FF2B5EF4-FFF2-40B4-BE49-F238E27FC236}">
+                <a16:creationId xmlns:a16="http://schemas.microsoft.com/office/drawing/2014/main" id="{F5B98F15-31CC-0872-F2B4-D964A71AFD95}"/>
+              </a:ext>
+            </a:extLst>
+          </p:cNvPr>
+          <p:cNvSpPr txBox="1"/>
+          <p:nvPr/>
+        </p:nvSpPr>
+        <p:spPr>
+          <a:xfrm>
+            <a:off x="784143" y="3361350"/>
+            <a:ext cx="3326525" cy="369332"/>
+          </a:xfrm>
+          <a:prstGeom prst="rect">
+            <a:avLst/>
+          </a:prstGeom>
+          <a:noFill/>
+        </p:spPr>
+        <p:txBody>
+          <a:bodyPr wrap="square" rtlCol="0">
+            <a:spAutoFit/>
+          </a:bodyPr>
+          <a:lstStyle/>
+          <a:p>
+            <a:r>
+              <a:rPr lang="en-US" altLang="zh-TW" dirty="0"/>
+              <a:t>h2+(</a:t>
+            </a:r>
+            <a:r>
+              <a:rPr lang="en-US" altLang="zh-TW" dirty="0" err="1"/>
+              <a:t>ul.aside</a:t>
+            </a:r>
+            <a:r>
+              <a:rPr lang="en-US" altLang="zh-TW" dirty="0"/>
+              <a:t>-list&gt;li*5&gt;a)</a:t>
+            </a:r>
+            <a:endParaRPr lang="zh-TW" altLang="en-US" dirty="0"/>
+          </a:p>
+        </p:txBody>
+      </p:sp>
+      <p:sp>
+        <p:nvSpPr>
+          <p:cNvPr id="14" name="文字方塊 13">
+            <a:extLst>
+              <a:ext uri="{FF2B5EF4-FFF2-40B4-BE49-F238E27FC236}">
+                <a16:creationId xmlns:a16="http://schemas.microsoft.com/office/drawing/2014/main" id="{B8CA9084-DA74-BE8C-CA1E-670EBE496782}"/>
+              </a:ext>
+            </a:extLst>
+          </p:cNvPr>
+          <p:cNvSpPr txBox="1"/>
+          <p:nvPr/>
+        </p:nvSpPr>
+        <p:spPr>
+          <a:xfrm>
+            <a:off x="4874305" y="3359002"/>
+            <a:ext cx="6720795" cy="923330"/>
+          </a:xfrm>
+          <a:prstGeom prst="rect">
+            <a:avLst/>
+          </a:prstGeom>
+          <a:noFill/>
+        </p:spPr>
+        <p:txBody>
+          <a:bodyPr wrap="square" rtlCol="0">
+            <a:spAutoFit/>
+          </a:bodyPr>
+          <a:lstStyle/>
+          <a:p>
+            <a:r>
+              <a:rPr lang="en-US" altLang="zh-TW" dirty="0" err="1"/>
+              <a:t>Ul.productList</a:t>
+            </a:r>
+            <a:r>
+              <a:rPr lang="en-US" altLang="zh-TW" dirty="0"/>
+              <a:t>&gt;l</a:t>
+            </a:r>
+          </a:p>
+          <a:p>
+            <a:r>
+              <a:rPr lang="en-US" altLang="zh-TW" dirty="0" err="1"/>
+              <a:t>i.productListCard</a:t>
+            </a:r>
+            <a:r>
+              <a:rPr lang="en-US" altLang="zh-TW" dirty="0"/>
+              <a:t>*6&gt;(.tag{</a:t>
+            </a:r>
+            <a:r>
+              <a:rPr lang="zh-TW" altLang="en-US" dirty="0"/>
+              <a:t>本日精選</a:t>
+            </a:r>
+            <a:r>
+              <a:rPr lang="en-US" altLang="zh-TW" dirty="0"/>
+              <a:t>})+(</a:t>
+            </a:r>
+            <a:r>
+              <a:rPr lang="en-US" altLang="zh-TW" dirty="0" err="1"/>
+              <a:t>a.heart</a:t>
+            </a:r>
+            <a:r>
+              <a:rPr lang="en-US" altLang="zh-TW" dirty="0"/>
+              <a:t>&gt;</a:t>
+            </a:r>
+            <a:r>
+              <a:rPr lang="en-US" altLang="zh-TW" dirty="0" err="1"/>
+              <a:t>img</a:t>
+            </a:r>
+            <a:r>
+              <a:rPr lang="en-US" altLang="zh-TW" dirty="0"/>
+              <a:t>)</a:t>
+            </a:r>
+          </a:p>
+          <a:p>
+            <a:r>
+              <a:rPr lang="en-US" altLang="zh-TW" dirty="0"/>
+              <a:t>+</a:t>
+            </a:r>
+            <a:r>
+              <a:rPr lang="en-US" altLang="zh-TW" dirty="0" err="1"/>
+              <a:t>img</a:t>
+            </a:r>
+            <a:r>
+              <a:rPr lang="en-US" altLang="zh-TW" dirty="0"/>
+              <a:t>+(.</a:t>
+            </a:r>
+            <a:r>
+              <a:rPr lang="en-US" altLang="zh-TW" dirty="0" err="1"/>
+              <a:t>productListCardbody</a:t>
+            </a:r>
+            <a:r>
+              <a:rPr lang="en-US" altLang="zh-TW" dirty="0"/>
+              <a:t>&gt;h3+span)+a</a:t>
+            </a:r>
+          </a:p>
+        </p:txBody>
+      </p:sp>
+      <p:sp>
+        <p:nvSpPr>
+          <p:cNvPr id="17" name="文字方塊 16">
+            <a:extLst>
+              <a:ext uri="{FF2B5EF4-FFF2-40B4-BE49-F238E27FC236}">
+                <a16:creationId xmlns:a16="http://schemas.microsoft.com/office/drawing/2014/main" id="{B237CF10-1D4C-B55D-4454-EEF07B292B41}"/>
+              </a:ext>
+            </a:extLst>
+          </p:cNvPr>
+          <p:cNvSpPr txBox="1"/>
+          <p:nvPr/>
+        </p:nvSpPr>
+        <p:spPr>
+          <a:xfrm>
+            <a:off x="4694195" y="3059668"/>
+            <a:ext cx="3326525" cy="369332"/>
+          </a:xfrm>
+          <a:prstGeom prst="rect">
+            <a:avLst/>
+          </a:prstGeom>
+          <a:noFill/>
+        </p:spPr>
+        <p:txBody>
+          <a:bodyPr wrap="square" rtlCol="0">
+            <a:spAutoFit/>
+          </a:bodyPr>
+          <a:lstStyle/>
+          <a:p>
+            <a:r>
+              <a:rPr lang="en-US" altLang="zh-TW" dirty="0"/>
+              <a:t>.content</a:t>
+            </a:r>
+            <a:endParaRPr lang="zh-TW" altLang="en-US" dirty="0"/>
+          </a:p>
+        </p:txBody>
+      </p:sp>
+      <p:sp>
+        <p:nvSpPr>
+          <p:cNvPr id="18" name="矩形 17">
+            <a:extLst>
+              <a:ext uri="{FF2B5EF4-FFF2-40B4-BE49-F238E27FC236}">
+                <a16:creationId xmlns:a16="http://schemas.microsoft.com/office/drawing/2014/main" id="{9F92F478-351C-7456-BE47-05BBD84DA344}"/>
+              </a:ext>
+            </a:extLst>
+          </p:cNvPr>
+          <p:cNvSpPr/>
+          <p:nvPr/>
+        </p:nvSpPr>
+        <p:spPr>
+          <a:xfrm>
+            <a:off x="10750109" y="5943600"/>
+            <a:ext cx="457200" cy="493292"/>
+          </a:xfrm>
+          <a:prstGeom prst="rect">
+            <a:avLst/>
+          </a:prstGeom>
+          <a:noFill/>
+        </p:spPr>
+        <p:style>
+          <a:lnRef idx="2">
+            <a:schemeClr val="accent1">
+              <a:shade val="50000"/>
+            </a:schemeClr>
+          </a:lnRef>
+          <a:fillRef idx="1">
+            <a:schemeClr val="accent1"/>
+          </a:fillRef>
+          <a:effectRef idx="0">
+            <a:schemeClr val="accent1"/>
+          </a:effectRef>
+          <a:fontRef idx="minor">
+            <a:schemeClr val="lt1"/>
+          </a:fontRef>
+        </p:style>
+        <p:txBody>
+          <a:bodyPr rtlCol="0" anchor="ctr"/>
+          <a:lstStyle/>
+          <a:p>
+            <a:pPr algn="ctr"/>
+            <a:r>
+              <a:rPr lang="en-US" altLang="zh-TW" dirty="0"/>
+              <a:t>0</a:t>
+            </a:r>
+            <a:endParaRPr lang="zh-TW" altLang="en-US" dirty="0"/>
+          </a:p>
+        </p:txBody>
+      </p:sp>
+      <p:sp>
+        <p:nvSpPr>
+          <p:cNvPr id="19" name="矩形 18">
+            <a:extLst>
+              <a:ext uri="{FF2B5EF4-FFF2-40B4-BE49-F238E27FC236}">
+                <a16:creationId xmlns:a16="http://schemas.microsoft.com/office/drawing/2014/main" id="{4341C412-6F66-58F2-A096-7CF4DF02C648}"/>
+              </a:ext>
+            </a:extLst>
+          </p:cNvPr>
+          <p:cNvSpPr/>
+          <p:nvPr/>
+        </p:nvSpPr>
+        <p:spPr>
+          <a:xfrm>
+            <a:off x="10292909" y="5943600"/>
+            <a:ext cx="457200" cy="493292"/>
+          </a:xfrm>
+          <a:prstGeom prst="rect">
+            <a:avLst/>
+          </a:prstGeom>
+          <a:noFill/>
+        </p:spPr>
+        <p:style>
+          <a:lnRef idx="2">
+            <a:schemeClr val="accent1">
+              <a:shade val="50000"/>
+            </a:schemeClr>
+          </a:lnRef>
+          <a:fillRef idx="1">
+            <a:schemeClr val="accent1"/>
+          </a:fillRef>
+          <a:effectRef idx="0">
+            <a:schemeClr val="accent1"/>
+          </a:effectRef>
+          <a:fontRef idx="minor">
+            <a:schemeClr val="lt1"/>
+          </a:fontRef>
+        </p:style>
+        <p:txBody>
+          <a:bodyPr rtlCol="0" anchor="ctr"/>
+          <a:lstStyle/>
+          <a:p>
+            <a:pPr algn="ctr"/>
+            <a:endParaRPr lang="zh-TW" altLang="en-US"/>
+          </a:p>
+        </p:txBody>
+      </p:sp>
+      <p:sp>
+        <p:nvSpPr>
+          <p:cNvPr id="20" name="矩形 19">
+            <a:extLst>
+              <a:ext uri="{FF2B5EF4-FFF2-40B4-BE49-F238E27FC236}">
+                <a16:creationId xmlns:a16="http://schemas.microsoft.com/office/drawing/2014/main" id="{3537A975-0553-EA79-3F98-923EEC9F2BEC}"/>
+              </a:ext>
+            </a:extLst>
+          </p:cNvPr>
+          <p:cNvSpPr/>
+          <p:nvPr/>
+        </p:nvSpPr>
+        <p:spPr>
+          <a:xfrm>
+            <a:off x="9826607" y="5943600"/>
+            <a:ext cx="457200" cy="493292"/>
+          </a:xfrm>
+          <a:prstGeom prst="rect">
+            <a:avLst/>
+          </a:prstGeom>
+          <a:noFill/>
+        </p:spPr>
+        <p:style>
+          <a:lnRef idx="2">
+            <a:schemeClr val="accent1">
+              <a:shade val="50000"/>
+            </a:schemeClr>
+          </a:lnRef>
+          <a:fillRef idx="1">
+            <a:schemeClr val="accent1"/>
+          </a:fillRef>
+          <a:effectRef idx="0">
+            <a:schemeClr val="accent1"/>
+          </a:effectRef>
+          <a:fontRef idx="minor">
+            <a:schemeClr val="lt1"/>
+          </a:fontRef>
+        </p:style>
+        <p:txBody>
+          <a:bodyPr rtlCol="0" anchor="ctr"/>
+          <a:lstStyle/>
+          <a:p>
+            <a:pPr algn="ctr"/>
+            <a:endParaRPr lang="zh-TW" altLang="en-US"/>
+          </a:p>
+        </p:txBody>
+      </p:sp>
+      <p:sp>
+        <p:nvSpPr>
+          <p:cNvPr id="21" name="矩形 20">
+            <a:extLst>
+              <a:ext uri="{FF2B5EF4-FFF2-40B4-BE49-F238E27FC236}">
+                <a16:creationId xmlns:a16="http://schemas.microsoft.com/office/drawing/2014/main" id="{A3400E39-8A92-2672-E1E6-133A415A326D}"/>
+              </a:ext>
+            </a:extLst>
+          </p:cNvPr>
+          <p:cNvSpPr/>
+          <p:nvPr/>
+        </p:nvSpPr>
+        <p:spPr>
+          <a:xfrm>
+            <a:off x="9369407" y="5943600"/>
+            <a:ext cx="457200" cy="493292"/>
+          </a:xfrm>
+          <a:prstGeom prst="rect">
+            <a:avLst/>
+          </a:prstGeom>
+          <a:noFill/>
+        </p:spPr>
+        <p:style>
+          <a:lnRef idx="2">
+            <a:schemeClr val="accent1">
+              <a:shade val="50000"/>
+            </a:schemeClr>
+          </a:lnRef>
+          <a:fillRef idx="1">
+            <a:schemeClr val="accent1"/>
+          </a:fillRef>
+          <a:effectRef idx="0">
+            <a:schemeClr val="accent1"/>
+          </a:effectRef>
+          <a:fontRef idx="minor">
+            <a:schemeClr val="lt1"/>
+          </a:fontRef>
+        </p:style>
+        <p:txBody>
+          <a:bodyPr rtlCol="0" anchor="ctr"/>
+          <a:lstStyle/>
+          <a:p>
+            <a:pPr algn="ctr"/>
+            <a:endParaRPr lang="zh-TW" altLang="en-US"/>
+          </a:p>
+        </p:txBody>
+      </p:sp>
+      <p:sp>
+        <p:nvSpPr>
+          <p:cNvPr id="22" name="矩形 21">
+            <a:extLst>
+              <a:ext uri="{FF2B5EF4-FFF2-40B4-BE49-F238E27FC236}">
+                <a16:creationId xmlns:a16="http://schemas.microsoft.com/office/drawing/2014/main" id="{52C399AF-9237-1BD7-2CAE-DC82F2B7BE55}"/>
+              </a:ext>
+            </a:extLst>
+          </p:cNvPr>
+          <p:cNvSpPr/>
+          <p:nvPr/>
+        </p:nvSpPr>
+        <p:spPr>
+          <a:xfrm>
+            <a:off x="8912207" y="5943600"/>
+            <a:ext cx="457200" cy="493292"/>
+          </a:xfrm>
+          <a:prstGeom prst="rect">
+            <a:avLst/>
+          </a:prstGeom>
+          <a:noFill/>
+        </p:spPr>
+        <p:style>
+          <a:lnRef idx="2">
+            <a:schemeClr val="accent1">
+              <a:shade val="50000"/>
+            </a:schemeClr>
+          </a:lnRef>
+          <a:fillRef idx="1">
+            <a:schemeClr val="accent1"/>
+          </a:fillRef>
+          <a:effectRef idx="0">
+            <a:schemeClr val="accent1"/>
+          </a:effectRef>
+          <a:fontRef idx="minor">
+            <a:schemeClr val="lt1"/>
+          </a:fontRef>
+        </p:style>
+        <p:txBody>
+          <a:bodyPr rtlCol="0" anchor="ctr"/>
+          <a:lstStyle/>
+          <a:p>
+            <a:pPr algn="ctr"/>
+            <a:endParaRPr lang="zh-TW" altLang="en-US"/>
+          </a:p>
+        </p:txBody>
+      </p:sp>
+      <p:sp>
+        <p:nvSpPr>
+          <p:cNvPr id="23" name="矩形 22">
+            <a:extLst>
+              <a:ext uri="{FF2B5EF4-FFF2-40B4-BE49-F238E27FC236}">
+                <a16:creationId xmlns:a16="http://schemas.microsoft.com/office/drawing/2014/main" id="{79E4C4D2-7142-21DF-77BF-9A34B6F58F0C}"/>
+              </a:ext>
+            </a:extLst>
+          </p:cNvPr>
+          <p:cNvSpPr/>
+          <p:nvPr/>
+        </p:nvSpPr>
+        <p:spPr>
+          <a:xfrm>
+            <a:off x="8455007" y="5943600"/>
+            <a:ext cx="457200" cy="493292"/>
+          </a:xfrm>
+          <a:prstGeom prst="rect">
+            <a:avLst/>
+          </a:prstGeom>
+          <a:noFill/>
+        </p:spPr>
+        <p:style>
+          <a:lnRef idx="2">
+            <a:schemeClr val="accent1">
+              <a:shade val="50000"/>
+            </a:schemeClr>
+          </a:lnRef>
+          <a:fillRef idx="1">
+            <a:schemeClr val="accent1"/>
+          </a:fillRef>
+          <a:effectRef idx="0">
+            <a:schemeClr val="accent1"/>
+          </a:effectRef>
+          <a:fontRef idx="minor">
+            <a:schemeClr val="lt1"/>
+          </a:fontRef>
+        </p:style>
+        <p:txBody>
+          <a:bodyPr rtlCol="0" anchor="ctr"/>
+          <a:lstStyle/>
+          <a:p>
+            <a:pPr algn="ctr"/>
+            <a:endParaRPr lang="zh-TW" altLang="en-US"/>
+          </a:p>
+        </p:txBody>
+      </p:sp>
+      <p:sp>
+        <p:nvSpPr>
+          <p:cNvPr id="24" name="矩形 23">
+            <a:extLst>
+              <a:ext uri="{FF2B5EF4-FFF2-40B4-BE49-F238E27FC236}">
+                <a16:creationId xmlns:a16="http://schemas.microsoft.com/office/drawing/2014/main" id="{A3CFA851-2E80-3834-4198-E8AF69BF3227}"/>
+              </a:ext>
+            </a:extLst>
+          </p:cNvPr>
+          <p:cNvSpPr/>
+          <p:nvPr/>
+        </p:nvSpPr>
+        <p:spPr>
+          <a:xfrm>
+            <a:off x="11195491" y="5943600"/>
+            <a:ext cx="457200" cy="493292"/>
+          </a:xfrm>
+          <a:prstGeom prst="rect">
+            <a:avLst/>
+          </a:prstGeom>
+          <a:noFill/>
+        </p:spPr>
+        <p:style>
+          <a:lnRef idx="2">
+            <a:schemeClr val="accent1">
+              <a:shade val="50000"/>
+            </a:schemeClr>
+          </a:lnRef>
+          <a:fillRef idx="1">
+            <a:schemeClr val="accent1"/>
+          </a:fillRef>
+          <a:effectRef idx="0">
+            <a:schemeClr val="accent1"/>
+          </a:effectRef>
+          <a:fontRef idx="minor">
+            <a:schemeClr val="lt1"/>
+          </a:fontRef>
+        </p:style>
+        <p:txBody>
+          <a:bodyPr rtlCol="0" anchor="ctr"/>
+          <a:lstStyle/>
+          <a:p>
+            <a:pPr algn="ctr"/>
+            <a:endParaRPr lang="zh-TW" altLang="en-US"/>
+          </a:p>
+        </p:txBody>
+      </p:sp>
+      <p:sp>
+        <p:nvSpPr>
+          <p:cNvPr id="25" name="文字方塊 24">
+            <a:extLst>
+              <a:ext uri="{FF2B5EF4-FFF2-40B4-BE49-F238E27FC236}">
+                <a16:creationId xmlns:a16="http://schemas.microsoft.com/office/drawing/2014/main" id="{097F31A7-F5A5-25EF-C038-78CF2307AFBE}"/>
+              </a:ext>
+            </a:extLst>
+          </p:cNvPr>
+          <p:cNvSpPr txBox="1"/>
+          <p:nvPr/>
+        </p:nvSpPr>
+        <p:spPr>
+          <a:xfrm>
+            <a:off x="8326166" y="5081454"/>
+            <a:ext cx="3326525" cy="369332"/>
+          </a:xfrm>
+          <a:prstGeom prst="rect">
+            <a:avLst/>
+          </a:prstGeom>
+          <a:noFill/>
+        </p:spPr>
+        <p:txBody>
+          <a:bodyPr wrap="square" rtlCol="0">
+            <a:spAutoFit/>
+          </a:bodyPr>
+          <a:lstStyle/>
+          <a:p>
+            <a:r>
+              <a:rPr lang="en-US" altLang="zh-TW" dirty="0" err="1"/>
+              <a:t>ul.pangination</a:t>
+            </a:r>
+            <a:endParaRPr lang="zh-TW" altLang="en-US" dirty="0"/>
+          </a:p>
+        </p:txBody>
+      </p:sp>
+      <p:sp>
+        <p:nvSpPr>
+          <p:cNvPr id="26" name="文字方塊 25">
+            <a:extLst>
+              <a:ext uri="{FF2B5EF4-FFF2-40B4-BE49-F238E27FC236}">
+                <a16:creationId xmlns:a16="http://schemas.microsoft.com/office/drawing/2014/main" id="{41B1F692-4FCC-4905-F19A-94D38271907D}"/>
+              </a:ext>
+            </a:extLst>
+          </p:cNvPr>
+          <p:cNvSpPr txBox="1"/>
+          <p:nvPr/>
+        </p:nvSpPr>
+        <p:spPr>
+          <a:xfrm>
+            <a:off x="8629854" y="5389602"/>
+            <a:ext cx="3326525" cy="369332"/>
+          </a:xfrm>
+          <a:prstGeom prst="rect">
+            <a:avLst/>
+          </a:prstGeom>
+          <a:noFill/>
+        </p:spPr>
+        <p:txBody>
+          <a:bodyPr wrap="square" rtlCol="0">
+            <a:spAutoFit/>
+          </a:bodyPr>
+          <a:lstStyle/>
+          <a:p>
+            <a:r>
+              <a:rPr lang="en-US" altLang="zh-TW" dirty="0"/>
+              <a:t>&gt;(li&gt;a&gt;</a:t>
+            </a:r>
+            <a:r>
+              <a:rPr lang="en-US" altLang="zh-TW" dirty="0" err="1"/>
+              <a:t>img</a:t>
+            </a:r>
+            <a:r>
+              <a:rPr lang="en-US" altLang="zh-TW" dirty="0"/>
+              <a:t>)+(li*5&gt;a)+(li&gt;a&gt;</a:t>
+            </a:r>
+            <a:r>
+              <a:rPr lang="en-US" altLang="zh-TW" dirty="0" err="1"/>
+              <a:t>img</a:t>
+            </a:r>
+            <a:r>
+              <a:rPr lang="en-US" altLang="zh-TW" dirty="0"/>
+              <a:t>)</a:t>
+            </a:r>
+            <a:endParaRPr lang="zh-TW" altLang="en-US" dirty="0"/>
+          </a:p>
+        </p:txBody>
+      </p:sp>
+      <p:sp>
+        <p:nvSpPr>
+          <p:cNvPr id="27" name="文字方塊 26">
+            <a:extLst>
+              <a:ext uri="{FF2B5EF4-FFF2-40B4-BE49-F238E27FC236}">
+                <a16:creationId xmlns:a16="http://schemas.microsoft.com/office/drawing/2014/main" id="{B97EDDA6-A88C-F699-8442-36DBF69918A0}"/>
+              </a:ext>
+            </a:extLst>
+          </p:cNvPr>
+          <p:cNvSpPr txBox="1"/>
+          <p:nvPr/>
+        </p:nvSpPr>
+        <p:spPr>
+          <a:xfrm>
+            <a:off x="596900" y="4282332"/>
+            <a:ext cx="3326525" cy="369332"/>
+          </a:xfrm>
+          <a:prstGeom prst="rect">
+            <a:avLst/>
+          </a:prstGeom>
+          <a:noFill/>
+        </p:spPr>
+        <p:txBody>
+          <a:bodyPr wrap="square" rtlCol="0">
+            <a:spAutoFit/>
+          </a:bodyPr>
+          <a:lstStyle/>
+          <a:p>
+            <a:r>
+              <a:rPr lang="en-US" altLang="zh-TW" dirty="0">
+                <a:solidFill>
+                  <a:schemeClr val="accent2"/>
+                </a:solidFill>
+              </a:rPr>
+              <a:t>Main-&gt; d:f</a:t>
+            </a:r>
+            <a:endParaRPr lang="zh-TW" altLang="en-US" dirty="0">
+              <a:solidFill>
+                <a:schemeClr val="accent2"/>
+              </a:solidFill>
+            </a:endParaRPr>
+          </a:p>
+        </p:txBody>
+      </p:sp>
+      <p:sp>
+        <p:nvSpPr>
+          <p:cNvPr id="28" name="文字方塊 27">
+            <a:extLst>
+              <a:ext uri="{FF2B5EF4-FFF2-40B4-BE49-F238E27FC236}">
+                <a16:creationId xmlns:a16="http://schemas.microsoft.com/office/drawing/2014/main" id="{FB72905D-0ABE-5D12-BA61-2E51C5DE93FA}"/>
+              </a:ext>
+            </a:extLst>
+          </p:cNvPr>
+          <p:cNvSpPr txBox="1"/>
+          <p:nvPr/>
+        </p:nvSpPr>
+        <p:spPr>
+          <a:xfrm>
+            <a:off x="596900" y="4712122"/>
+            <a:ext cx="3326525" cy="1754326"/>
+          </a:xfrm>
+          <a:prstGeom prst="rect">
+            <a:avLst/>
+          </a:prstGeom>
+          <a:noFill/>
+        </p:spPr>
+        <p:txBody>
+          <a:bodyPr wrap="square" rtlCol="0">
+            <a:spAutoFit/>
+          </a:bodyPr>
+          <a:lstStyle/>
+          <a:p>
+            <a:r>
+              <a:rPr lang="en-US" altLang="zh-TW" dirty="0">
+                <a:solidFill>
+                  <a:schemeClr val="accent2"/>
+                </a:solidFill>
+              </a:rPr>
+              <a:t>Aside-&gt;w:32.95%  mr:20</a:t>
+            </a:r>
+          </a:p>
+          <a:p>
+            <a:r>
+              <a:rPr lang="en-US" altLang="zh-TW" dirty="0">
+                <a:solidFill>
+                  <a:schemeClr val="accent2"/>
+                </a:solidFill>
+              </a:rPr>
+              <a:t>H2-&gt;fz:24;lh:1.5;p:15 0;ta:c;fw:b</a:t>
+            </a:r>
+          </a:p>
+          <a:p>
+            <a:r>
+              <a:rPr lang="en-US" altLang="zh-TW" dirty="0">
+                <a:solidFill>
+                  <a:schemeClr val="accent2"/>
+                </a:solidFill>
+              </a:rPr>
+              <a:t>Aside-list li-&gt;fz:24;lh:1.5;p:15 0;ta:c</a:t>
+            </a:r>
+          </a:p>
+          <a:p>
+            <a:r>
+              <a:rPr lang="en-US" altLang="zh-TW" dirty="0">
+                <a:solidFill>
+                  <a:schemeClr val="accent2"/>
+                </a:solidFill>
+              </a:rPr>
+              <a:t>Li a-&gt;</a:t>
+            </a:r>
+            <a:r>
+              <a:rPr lang="en-US" altLang="zh-TW" dirty="0" err="1">
+                <a:solidFill>
+                  <a:schemeClr val="accent2"/>
+                </a:solidFill>
+              </a:rPr>
+              <a:t>td:n</a:t>
+            </a:r>
+            <a:endParaRPr lang="en-US" altLang="zh-TW" dirty="0">
+              <a:solidFill>
+                <a:schemeClr val="accent2"/>
+              </a:solidFill>
+            </a:endParaRPr>
+          </a:p>
+          <a:p>
+            <a:r>
+              <a:rPr lang="en-US" altLang="zh-TW" dirty="0" err="1">
+                <a:solidFill>
+                  <a:schemeClr val="accent2"/>
+                </a:solidFill>
+              </a:rPr>
+              <a:t>Fw:b</a:t>
+            </a:r>
+            <a:endParaRPr lang="en-US" altLang="zh-TW" dirty="0">
+              <a:solidFill>
+                <a:schemeClr val="accent2"/>
+              </a:solidFill>
+            </a:endParaRPr>
+          </a:p>
+        </p:txBody>
+      </p:sp>
+      <p:sp>
+        <p:nvSpPr>
+          <p:cNvPr id="29" name="文字方塊 28">
+            <a:extLst>
+              <a:ext uri="{FF2B5EF4-FFF2-40B4-BE49-F238E27FC236}">
+                <a16:creationId xmlns:a16="http://schemas.microsoft.com/office/drawing/2014/main" id="{0B5192FE-7BC6-7836-062B-353B5DFA8314}"/>
+              </a:ext>
+            </a:extLst>
+          </p:cNvPr>
+          <p:cNvSpPr txBox="1"/>
+          <p:nvPr/>
+        </p:nvSpPr>
+        <p:spPr>
+          <a:xfrm>
+            <a:off x="4694195" y="4356917"/>
+            <a:ext cx="3326525" cy="2585323"/>
+          </a:xfrm>
+          <a:prstGeom prst="rect">
+            <a:avLst/>
+          </a:prstGeom>
+          <a:noFill/>
+        </p:spPr>
+        <p:txBody>
+          <a:bodyPr wrap="square" rtlCol="0">
+            <a:spAutoFit/>
+          </a:bodyPr>
+          <a:lstStyle/>
+          <a:p>
+            <a:r>
+              <a:rPr lang="en-US" altLang="zh-TW" dirty="0">
+                <a:solidFill>
+                  <a:schemeClr val="accent2"/>
+                </a:solidFill>
+              </a:rPr>
+              <a:t>Content-&gt;w:68.1%</a:t>
+            </a:r>
+          </a:p>
+          <a:p>
+            <a:r>
+              <a:rPr lang="en-US" altLang="zh-TW" dirty="0" err="1">
+                <a:solidFill>
+                  <a:schemeClr val="accent2"/>
+                </a:solidFill>
+              </a:rPr>
+              <a:t>productList</a:t>
+            </a:r>
+            <a:r>
+              <a:rPr lang="en-US" altLang="zh-TW" dirty="0">
+                <a:solidFill>
+                  <a:schemeClr val="accent2"/>
+                </a:solidFill>
+              </a:rPr>
+              <a:t>-&gt;</a:t>
+            </a:r>
+            <a:r>
+              <a:rPr lang="en-US" altLang="zh-TW" dirty="0" err="1">
+                <a:solidFill>
+                  <a:schemeClr val="accent2"/>
+                </a:solidFill>
+              </a:rPr>
+              <a:t>d:f;fxw:w;jcsb;ta:c</a:t>
+            </a:r>
+            <a:endParaRPr lang="en-US" altLang="zh-TW" dirty="0">
+              <a:solidFill>
+                <a:schemeClr val="accent2"/>
+              </a:solidFill>
+            </a:endParaRPr>
+          </a:p>
+          <a:p>
+            <a:r>
+              <a:rPr lang="en-US" altLang="zh-TW" dirty="0" err="1">
+                <a:solidFill>
+                  <a:schemeClr val="accent2"/>
+                </a:solidFill>
+              </a:rPr>
+              <a:t>productListCard</a:t>
+            </a:r>
+            <a:r>
+              <a:rPr lang="en-US" altLang="zh-TW" dirty="0">
+                <a:solidFill>
+                  <a:schemeClr val="accent2"/>
+                </a:solidFill>
+              </a:rPr>
+              <a:t>-&gt;</a:t>
+            </a:r>
+          </a:p>
+          <a:p>
+            <a:r>
+              <a:rPr lang="en-US" altLang="zh-TW" dirty="0">
+                <a:solidFill>
+                  <a:schemeClr val="accent2"/>
+                </a:solidFill>
+              </a:rPr>
+              <a:t>Maw:300;mb:20 </a:t>
+            </a:r>
+            <a:r>
+              <a:rPr lang="en-US" altLang="zh-TW" dirty="0" err="1">
+                <a:solidFill>
+                  <a:schemeClr val="accent2"/>
+                </a:solidFill>
+              </a:rPr>
+              <a:t>pos:re</a:t>
+            </a:r>
+            <a:r>
+              <a:rPr lang="en-US" altLang="zh-TW" dirty="0">
+                <a:solidFill>
+                  <a:schemeClr val="accent2"/>
+                </a:solidFill>
+              </a:rPr>
+              <a:t>;</a:t>
+            </a:r>
+          </a:p>
+          <a:p>
+            <a:r>
+              <a:rPr lang="en-US" altLang="zh-TW" dirty="0" err="1">
+                <a:solidFill>
+                  <a:schemeClr val="accent2"/>
+                </a:solidFill>
+              </a:rPr>
+              <a:t>Img</a:t>
+            </a:r>
+            <a:r>
+              <a:rPr lang="en-US" altLang="zh-TW" dirty="0">
+                <a:solidFill>
+                  <a:schemeClr val="accent2"/>
+                </a:solidFill>
+              </a:rPr>
+              <a:t>&gt;</a:t>
+            </a:r>
+            <a:r>
+              <a:rPr lang="en-US" altLang="zh-TW" dirty="0" err="1">
+                <a:solidFill>
+                  <a:schemeClr val="accent2"/>
+                </a:solidFill>
+              </a:rPr>
+              <a:t>d:b</a:t>
+            </a:r>
+            <a:endParaRPr lang="en-US" altLang="zh-TW" dirty="0">
+              <a:solidFill>
+                <a:schemeClr val="accent2"/>
+              </a:solidFill>
+            </a:endParaRPr>
+          </a:p>
+          <a:p>
+            <a:r>
+              <a:rPr lang="en-US" altLang="zh-TW" dirty="0">
+                <a:solidFill>
+                  <a:schemeClr val="accent2"/>
+                </a:solidFill>
+              </a:rPr>
+              <a:t>.tag-&gt; writing-mode: vertical-</a:t>
+            </a:r>
+            <a:r>
+              <a:rPr lang="en-US" altLang="zh-TW" dirty="0" err="1">
+                <a:solidFill>
+                  <a:schemeClr val="accent2"/>
+                </a:solidFill>
+              </a:rPr>
+              <a:t>lr</a:t>
+            </a:r>
+            <a:r>
+              <a:rPr lang="en-US" altLang="zh-TW" dirty="0">
+                <a:solidFill>
+                  <a:schemeClr val="accent2"/>
+                </a:solidFill>
+              </a:rPr>
+              <a:t>;</a:t>
+            </a:r>
+          </a:p>
+          <a:p>
+            <a:r>
+              <a:rPr lang="en-US" altLang="zh-TW" dirty="0">
+                <a:solidFill>
+                  <a:schemeClr val="accent2"/>
+                </a:solidFill>
+              </a:rPr>
+              <a:t>Pos:abs;left:20;fz:16</a:t>
+            </a:r>
+          </a:p>
+          <a:p>
+            <a:r>
+              <a:rPr lang="en-US" altLang="zh-TW" dirty="0">
+                <a:solidFill>
+                  <a:schemeClr val="accent2"/>
+                </a:solidFill>
+              </a:rPr>
+              <a:t>Lh:1.2;p:16 10 Le-sp:3:fw:b</a:t>
+            </a:r>
+          </a:p>
+          <a:p>
+            <a:endParaRPr lang="zh-TW" altLang="en-US" dirty="0">
+              <a:solidFill>
+                <a:schemeClr val="accent2"/>
+              </a:solidFill>
+            </a:endParaRPr>
           </a:p>
         </p:txBody>
       </p:sp>
@@ -6906,6 +7842,1133 @@
     <p:extLst>
       <p:ext uri="{BB962C8B-B14F-4D97-AF65-F5344CB8AC3E}">
         <p14:creationId xmlns:p14="http://schemas.microsoft.com/office/powerpoint/2010/main" val="1561468941"/>
+      </p:ext>
+    </p:extLst>
+  </p:cSld>
+  <p:clrMapOvr>
+    <a:masterClrMapping/>
+  </p:clrMapOvr>
+</p:sld>
+</file>
+
+<file path=ppt/slides/slide4.xml><?xml version="1.0" encoding="utf-8"?>
+<p:sld xmlns:a="http://schemas.openxmlformats.org/drawingml/2006/main" xmlns:r="http://schemas.openxmlformats.org/officeDocument/2006/relationships" xmlns:p="http://schemas.openxmlformats.org/presentationml/2006/main">
+  <p:cSld>
+    <p:spTree>
+      <p:nvGrpSpPr>
+        <p:cNvPr id="1" name=""/>
+        <p:cNvGrpSpPr/>
+        <p:nvPr/>
+      </p:nvGrpSpPr>
+      <p:grpSpPr>
+        <a:xfrm>
+          <a:off x="0" y="0"/>
+          <a:ext cx="0" cy="0"/>
+          <a:chOff x="0" y="0"/>
+          <a:chExt cx="0" cy="0"/>
+        </a:xfrm>
+      </p:grpSpPr>
+      <p:sp>
+        <p:nvSpPr>
+          <p:cNvPr id="4" name="矩形 3">
+            <a:extLst>
+              <a:ext uri="{FF2B5EF4-FFF2-40B4-BE49-F238E27FC236}">
+                <a16:creationId xmlns:a16="http://schemas.microsoft.com/office/drawing/2014/main" id="{06748C2F-321B-17A2-230E-8646C3210BC2}"/>
+              </a:ext>
+            </a:extLst>
+          </p:cNvPr>
+          <p:cNvSpPr/>
+          <p:nvPr/>
+        </p:nvSpPr>
+        <p:spPr>
+          <a:xfrm>
+            <a:off x="114586" y="124040"/>
+            <a:ext cx="7189856" cy="3538451"/>
+          </a:xfrm>
+          <a:prstGeom prst="rect">
+            <a:avLst/>
+          </a:prstGeom>
+          <a:noFill/>
+        </p:spPr>
+        <p:style>
+          <a:lnRef idx="2">
+            <a:schemeClr val="accent1">
+              <a:shade val="50000"/>
+            </a:schemeClr>
+          </a:lnRef>
+          <a:fillRef idx="1">
+            <a:schemeClr val="accent1"/>
+          </a:fillRef>
+          <a:effectRef idx="0">
+            <a:schemeClr val="accent1"/>
+          </a:effectRef>
+          <a:fontRef idx="minor">
+            <a:schemeClr val="lt1"/>
+          </a:fontRef>
+        </p:style>
+        <p:txBody>
+          <a:bodyPr rtlCol="0" anchor="ctr"/>
+          <a:lstStyle/>
+          <a:p>
+            <a:pPr algn="ctr"/>
+            <a:endParaRPr lang="zh-TW" altLang="en-US"/>
+          </a:p>
+        </p:txBody>
+      </p:sp>
+      <p:sp>
+        <p:nvSpPr>
+          <p:cNvPr id="5" name="文字方塊 4">
+            <a:extLst>
+              <a:ext uri="{FF2B5EF4-FFF2-40B4-BE49-F238E27FC236}">
+                <a16:creationId xmlns:a16="http://schemas.microsoft.com/office/drawing/2014/main" id="{0E202AC2-E0F6-531A-582B-0578F86EF767}"/>
+              </a:ext>
+            </a:extLst>
+          </p:cNvPr>
+          <p:cNvSpPr txBox="1"/>
+          <p:nvPr/>
+        </p:nvSpPr>
+        <p:spPr>
+          <a:xfrm>
+            <a:off x="382988" y="454438"/>
+            <a:ext cx="6720795" cy="923330"/>
+          </a:xfrm>
+          <a:prstGeom prst="rect">
+            <a:avLst/>
+          </a:prstGeom>
+          <a:noFill/>
+        </p:spPr>
+        <p:txBody>
+          <a:bodyPr wrap="square" rtlCol="0">
+            <a:spAutoFit/>
+          </a:bodyPr>
+          <a:lstStyle/>
+          <a:p>
+            <a:r>
+              <a:rPr lang="en-US" altLang="zh-TW" dirty="0" err="1"/>
+              <a:t>Ul.productList</a:t>
+            </a:r>
+            <a:r>
+              <a:rPr lang="en-US" altLang="zh-TW" dirty="0"/>
+              <a:t>&gt;l</a:t>
+            </a:r>
+          </a:p>
+          <a:p>
+            <a:r>
+              <a:rPr lang="en-US" altLang="zh-TW" dirty="0" err="1"/>
+              <a:t>i.productListCard</a:t>
+            </a:r>
+            <a:r>
+              <a:rPr lang="en-US" altLang="zh-TW" dirty="0"/>
+              <a:t>*6&gt;(.tag{</a:t>
+            </a:r>
+            <a:r>
+              <a:rPr lang="zh-TW" altLang="en-US" dirty="0"/>
+              <a:t>本日精選</a:t>
+            </a:r>
+            <a:r>
+              <a:rPr lang="en-US" altLang="zh-TW" dirty="0"/>
+              <a:t>})+(</a:t>
+            </a:r>
+            <a:r>
+              <a:rPr lang="en-US" altLang="zh-TW" dirty="0" err="1"/>
+              <a:t>a.heart</a:t>
+            </a:r>
+            <a:r>
+              <a:rPr lang="en-US" altLang="zh-TW" dirty="0"/>
+              <a:t>&gt;</a:t>
+            </a:r>
+            <a:r>
+              <a:rPr lang="en-US" altLang="zh-TW" dirty="0" err="1"/>
+              <a:t>img</a:t>
+            </a:r>
+            <a:r>
+              <a:rPr lang="en-US" altLang="zh-TW" dirty="0"/>
+              <a:t>)</a:t>
+            </a:r>
+          </a:p>
+          <a:p>
+            <a:r>
+              <a:rPr lang="en-US" altLang="zh-TW" dirty="0"/>
+              <a:t>+</a:t>
+            </a:r>
+            <a:r>
+              <a:rPr lang="en-US" altLang="zh-TW" dirty="0" err="1"/>
+              <a:t>img</a:t>
+            </a:r>
+            <a:r>
+              <a:rPr lang="en-US" altLang="zh-TW" dirty="0"/>
+              <a:t>+(.</a:t>
+            </a:r>
+            <a:r>
+              <a:rPr lang="en-US" altLang="zh-TW" dirty="0" err="1"/>
+              <a:t>productListCardbody</a:t>
+            </a:r>
+            <a:r>
+              <a:rPr lang="en-US" altLang="zh-TW" dirty="0"/>
+              <a:t>&gt;h3+span)+a</a:t>
+            </a:r>
+          </a:p>
+        </p:txBody>
+      </p:sp>
+      <p:sp>
+        <p:nvSpPr>
+          <p:cNvPr id="6" name="文字方塊 5">
+            <a:extLst>
+              <a:ext uri="{FF2B5EF4-FFF2-40B4-BE49-F238E27FC236}">
+                <a16:creationId xmlns:a16="http://schemas.microsoft.com/office/drawing/2014/main" id="{DA38BDF9-DEAB-9A71-F2BC-49AF92B2476C}"/>
+              </a:ext>
+            </a:extLst>
+          </p:cNvPr>
+          <p:cNvSpPr txBox="1"/>
+          <p:nvPr/>
+        </p:nvSpPr>
+        <p:spPr>
+          <a:xfrm>
+            <a:off x="202878" y="155104"/>
+            <a:ext cx="3326525" cy="369332"/>
+          </a:xfrm>
+          <a:prstGeom prst="rect">
+            <a:avLst/>
+          </a:prstGeom>
+          <a:noFill/>
+        </p:spPr>
+        <p:txBody>
+          <a:bodyPr wrap="square" rtlCol="0">
+            <a:spAutoFit/>
+          </a:bodyPr>
+          <a:lstStyle/>
+          <a:p>
+            <a:r>
+              <a:rPr lang="en-US" altLang="zh-TW" dirty="0"/>
+              <a:t>.content</a:t>
+            </a:r>
+            <a:endParaRPr lang="zh-TW" altLang="en-US" dirty="0"/>
+          </a:p>
+        </p:txBody>
+      </p:sp>
+      <p:sp>
+        <p:nvSpPr>
+          <p:cNvPr id="7" name="矩形 6">
+            <a:extLst>
+              <a:ext uri="{FF2B5EF4-FFF2-40B4-BE49-F238E27FC236}">
+                <a16:creationId xmlns:a16="http://schemas.microsoft.com/office/drawing/2014/main" id="{83DFE2FE-06CA-0E95-05D3-0BAD6F94E267}"/>
+              </a:ext>
+            </a:extLst>
+          </p:cNvPr>
+          <p:cNvSpPr/>
+          <p:nvPr/>
+        </p:nvSpPr>
+        <p:spPr>
+          <a:xfrm>
+            <a:off x="6258792" y="3039036"/>
+            <a:ext cx="457200" cy="493292"/>
+          </a:xfrm>
+          <a:prstGeom prst="rect">
+            <a:avLst/>
+          </a:prstGeom>
+          <a:noFill/>
+        </p:spPr>
+        <p:style>
+          <a:lnRef idx="2">
+            <a:schemeClr val="accent1">
+              <a:shade val="50000"/>
+            </a:schemeClr>
+          </a:lnRef>
+          <a:fillRef idx="1">
+            <a:schemeClr val="accent1"/>
+          </a:fillRef>
+          <a:effectRef idx="0">
+            <a:schemeClr val="accent1"/>
+          </a:effectRef>
+          <a:fontRef idx="minor">
+            <a:schemeClr val="lt1"/>
+          </a:fontRef>
+        </p:style>
+        <p:txBody>
+          <a:bodyPr rtlCol="0" anchor="ctr"/>
+          <a:lstStyle/>
+          <a:p>
+            <a:pPr algn="ctr"/>
+            <a:r>
+              <a:rPr lang="en-US" altLang="zh-TW" dirty="0"/>
+              <a:t>0</a:t>
+            </a:r>
+            <a:endParaRPr lang="zh-TW" altLang="en-US" dirty="0"/>
+          </a:p>
+        </p:txBody>
+      </p:sp>
+      <p:sp>
+        <p:nvSpPr>
+          <p:cNvPr id="8" name="矩形 7">
+            <a:extLst>
+              <a:ext uri="{FF2B5EF4-FFF2-40B4-BE49-F238E27FC236}">
+                <a16:creationId xmlns:a16="http://schemas.microsoft.com/office/drawing/2014/main" id="{6E6DFDA6-613E-6636-00DD-33FFAE1539F6}"/>
+              </a:ext>
+            </a:extLst>
+          </p:cNvPr>
+          <p:cNvSpPr/>
+          <p:nvPr/>
+        </p:nvSpPr>
+        <p:spPr>
+          <a:xfrm>
+            <a:off x="5801592" y="3039036"/>
+            <a:ext cx="457200" cy="493292"/>
+          </a:xfrm>
+          <a:prstGeom prst="rect">
+            <a:avLst/>
+          </a:prstGeom>
+          <a:noFill/>
+        </p:spPr>
+        <p:style>
+          <a:lnRef idx="2">
+            <a:schemeClr val="accent1">
+              <a:shade val="50000"/>
+            </a:schemeClr>
+          </a:lnRef>
+          <a:fillRef idx="1">
+            <a:schemeClr val="accent1"/>
+          </a:fillRef>
+          <a:effectRef idx="0">
+            <a:schemeClr val="accent1"/>
+          </a:effectRef>
+          <a:fontRef idx="minor">
+            <a:schemeClr val="lt1"/>
+          </a:fontRef>
+        </p:style>
+        <p:txBody>
+          <a:bodyPr rtlCol="0" anchor="ctr"/>
+          <a:lstStyle/>
+          <a:p>
+            <a:pPr algn="ctr"/>
+            <a:endParaRPr lang="zh-TW" altLang="en-US"/>
+          </a:p>
+        </p:txBody>
+      </p:sp>
+      <p:sp>
+        <p:nvSpPr>
+          <p:cNvPr id="9" name="矩形 8">
+            <a:extLst>
+              <a:ext uri="{FF2B5EF4-FFF2-40B4-BE49-F238E27FC236}">
+                <a16:creationId xmlns:a16="http://schemas.microsoft.com/office/drawing/2014/main" id="{DF57ED81-55DE-F8A9-E216-4C983D595F96}"/>
+              </a:ext>
+            </a:extLst>
+          </p:cNvPr>
+          <p:cNvSpPr/>
+          <p:nvPr/>
+        </p:nvSpPr>
+        <p:spPr>
+          <a:xfrm>
+            <a:off x="5335290" y="3039036"/>
+            <a:ext cx="457200" cy="493292"/>
+          </a:xfrm>
+          <a:prstGeom prst="rect">
+            <a:avLst/>
+          </a:prstGeom>
+          <a:noFill/>
+        </p:spPr>
+        <p:style>
+          <a:lnRef idx="2">
+            <a:schemeClr val="accent1">
+              <a:shade val="50000"/>
+            </a:schemeClr>
+          </a:lnRef>
+          <a:fillRef idx="1">
+            <a:schemeClr val="accent1"/>
+          </a:fillRef>
+          <a:effectRef idx="0">
+            <a:schemeClr val="accent1"/>
+          </a:effectRef>
+          <a:fontRef idx="minor">
+            <a:schemeClr val="lt1"/>
+          </a:fontRef>
+        </p:style>
+        <p:txBody>
+          <a:bodyPr rtlCol="0" anchor="ctr"/>
+          <a:lstStyle/>
+          <a:p>
+            <a:pPr algn="ctr"/>
+            <a:endParaRPr lang="zh-TW" altLang="en-US"/>
+          </a:p>
+        </p:txBody>
+      </p:sp>
+      <p:sp>
+        <p:nvSpPr>
+          <p:cNvPr id="10" name="矩形 9">
+            <a:extLst>
+              <a:ext uri="{FF2B5EF4-FFF2-40B4-BE49-F238E27FC236}">
+                <a16:creationId xmlns:a16="http://schemas.microsoft.com/office/drawing/2014/main" id="{8B479D65-D9EB-9668-27FC-271CB237C460}"/>
+              </a:ext>
+            </a:extLst>
+          </p:cNvPr>
+          <p:cNvSpPr/>
+          <p:nvPr/>
+        </p:nvSpPr>
+        <p:spPr>
+          <a:xfrm>
+            <a:off x="4878090" y="3039036"/>
+            <a:ext cx="457200" cy="493292"/>
+          </a:xfrm>
+          <a:prstGeom prst="rect">
+            <a:avLst/>
+          </a:prstGeom>
+          <a:noFill/>
+        </p:spPr>
+        <p:style>
+          <a:lnRef idx="2">
+            <a:schemeClr val="accent1">
+              <a:shade val="50000"/>
+            </a:schemeClr>
+          </a:lnRef>
+          <a:fillRef idx="1">
+            <a:schemeClr val="accent1"/>
+          </a:fillRef>
+          <a:effectRef idx="0">
+            <a:schemeClr val="accent1"/>
+          </a:effectRef>
+          <a:fontRef idx="minor">
+            <a:schemeClr val="lt1"/>
+          </a:fontRef>
+        </p:style>
+        <p:txBody>
+          <a:bodyPr rtlCol="0" anchor="ctr"/>
+          <a:lstStyle/>
+          <a:p>
+            <a:pPr algn="ctr"/>
+            <a:endParaRPr lang="zh-TW" altLang="en-US"/>
+          </a:p>
+        </p:txBody>
+      </p:sp>
+      <p:sp>
+        <p:nvSpPr>
+          <p:cNvPr id="11" name="矩形 10">
+            <a:extLst>
+              <a:ext uri="{FF2B5EF4-FFF2-40B4-BE49-F238E27FC236}">
+                <a16:creationId xmlns:a16="http://schemas.microsoft.com/office/drawing/2014/main" id="{80259E97-DFBC-5C59-7705-BE5A75FFB47E}"/>
+              </a:ext>
+            </a:extLst>
+          </p:cNvPr>
+          <p:cNvSpPr/>
+          <p:nvPr/>
+        </p:nvSpPr>
+        <p:spPr>
+          <a:xfrm>
+            <a:off x="4420890" y="3039036"/>
+            <a:ext cx="457200" cy="493292"/>
+          </a:xfrm>
+          <a:prstGeom prst="rect">
+            <a:avLst/>
+          </a:prstGeom>
+          <a:noFill/>
+        </p:spPr>
+        <p:style>
+          <a:lnRef idx="2">
+            <a:schemeClr val="accent1">
+              <a:shade val="50000"/>
+            </a:schemeClr>
+          </a:lnRef>
+          <a:fillRef idx="1">
+            <a:schemeClr val="accent1"/>
+          </a:fillRef>
+          <a:effectRef idx="0">
+            <a:schemeClr val="accent1"/>
+          </a:effectRef>
+          <a:fontRef idx="minor">
+            <a:schemeClr val="lt1"/>
+          </a:fontRef>
+        </p:style>
+        <p:txBody>
+          <a:bodyPr rtlCol="0" anchor="ctr"/>
+          <a:lstStyle/>
+          <a:p>
+            <a:pPr algn="ctr"/>
+            <a:endParaRPr lang="zh-TW" altLang="en-US"/>
+          </a:p>
+        </p:txBody>
+      </p:sp>
+      <p:sp>
+        <p:nvSpPr>
+          <p:cNvPr id="12" name="矩形 11">
+            <a:extLst>
+              <a:ext uri="{FF2B5EF4-FFF2-40B4-BE49-F238E27FC236}">
+                <a16:creationId xmlns:a16="http://schemas.microsoft.com/office/drawing/2014/main" id="{4B57E9D7-2383-50CE-D04E-55F2A6605DA3}"/>
+              </a:ext>
+            </a:extLst>
+          </p:cNvPr>
+          <p:cNvSpPr/>
+          <p:nvPr/>
+        </p:nvSpPr>
+        <p:spPr>
+          <a:xfrm>
+            <a:off x="3963690" y="3039036"/>
+            <a:ext cx="457200" cy="493292"/>
+          </a:xfrm>
+          <a:prstGeom prst="rect">
+            <a:avLst/>
+          </a:prstGeom>
+          <a:noFill/>
+        </p:spPr>
+        <p:style>
+          <a:lnRef idx="2">
+            <a:schemeClr val="accent1">
+              <a:shade val="50000"/>
+            </a:schemeClr>
+          </a:lnRef>
+          <a:fillRef idx="1">
+            <a:schemeClr val="accent1"/>
+          </a:fillRef>
+          <a:effectRef idx="0">
+            <a:schemeClr val="accent1"/>
+          </a:effectRef>
+          <a:fontRef idx="minor">
+            <a:schemeClr val="lt1"/>
+          </a:fontRef>
+        </p:style>
+        <p:txBody>
+          <a:bodyPr rtlCol="0" anchor="ctr"/>
+          <a:lstStyle/>
+          <a:p>
+            <a:pPr algn="ctr"/>
+            <a:endParaRPr lang="zh-TW" altLang="en-US"/>
+          </a:p>
+        </p:txBody>
+      </p:sp>
+      <p:sp>
+        <p:nvSpPr>
+          <p:cNvPr id="13" name="矩形 12">
+            <a:extLst>
+              <a:ext uri="{FF2B5EF4-FFF2-40B4-BE49-F238E27FC236}">
+                <a16:creationId xmlns:a16="http://schemas.microsoft.com/office/drawing/2014/main" id="{C84FC4E2-DF40-693A-5866-2AAED516F280}"/>
+              </a:ext>
+            </a:extLst>
+          </p:cNvPr>
+          <p:cNvSpPr/>
+          <p:nvPr/>
+        </p:nvSpPr>
+        <p:spPr>
+          <a:xfrm>
+            <a:off x="6704174" y="3039036"/>
+            <a:ext cx="457200" cy="493292"/>
+          </a:xfrm>
+          <a:prstGeom prst="rect">
+            <a:avLst/>
+          </a:prstGeom>
+          <a:noFill/>
+        </p:spPr>
+        <p:style>
+          <a:lnRef idx="2">
+            <a:schemeClr val="accent1">
+              <a:shade val="50000"/>
+            </a:schemeClr>
+          </a:lnRef>
+          <a:fillRef idx="1">
+            <a:schemeClr val="accent1"/>
+          </a:fillRef>
+          <a:effectRef idx="0">
+            <a:schemeClr val="accent1"/>
+          </a:effectRef>
+          <a:fontRef idx="minor">
+            <a:schemeClr val="lt1"/>
+          </a:fontRef>
+        </p:style>
+        <p:txBody>
+          <a:bodyPr rtlCol="0" anchor="ctr"/>
+          <a:lstStyle/>
+          <a:p>
+            <a:pPr algn="ctr"/>
+            <a:endParaRPr lang="zh-TW" altLang="en-US"/>
+          </a:p>
+        </p:txBody>
+      </p:sp>
+      <p:sp>
+        <p:nvSpPr>
+          <p:cNvPr id="14" name="文字方塊 13">
+            <a:extLst>
+              <a:ext uri="{FF2B5EF4-FFF2-40B4-BE49-F238E27FC236}">
+                <a16:creationId xmlns:a16="http://schemas.microsoft.com/office/drawing/2014/main" id="{714B3188-79C6-959B-5274-94D7B494FBBF}"/>
+              </a:ext>
+            </a:extLst>
+          </p:cNvPr>
+          <p:cNvSpPr txBox="1"/>
+          <p:nvPr/>
+        </p:nvSpPr>
+        <p:spPr>
+          <a:xfrm>
+            <a:off x="3834849" y="2176890"/>
+            <a:ext cx="3326525" cy="369332"/>
+          </a:xfrm>
+          <a:prstGeom prst="rect">
+            <a:avLst/>
+          </a:prstGeom>
+          <a:noFill/>
+        </p:spPr>
+        <p:txBody>
+          <a:bodyPr wrap="square" rtlCol="0">
+            <a:spAutoFit/>
+          </a:bodyPr>
+          <a:lstStyle/>
+          <a:p>
+            <a:r>
+              <a:rPr lang="en-US" altLang="zh-TW" dirty="0" err="1"/>
+              <a:t>ul.pangination</a:t>
+            </a:r>
+            <a:endParaRPr lang="zh-TW" altLang="en-US" dirty="0"/>
+          </a:p>
+        </p:txBody>
+      </p:sp>
+      <p:sp>
+        <p:nvSpPr>
+          <p:cNvPr id="15" name="文字方塊 14">
+            <a:extLst>
+              <a:ext uri="{FF2B5EF4-FFF2-40B4-BE49-F238E27FC236}">
+                <a16:creationId xmlns:a16="http://schemas.microsoft.com/office/drawing/2014/main" id="{5CD446EF-20AF-AE1B-136C-B249D399F366}"/>
+              </a:ext>
+            </a:extLst>
+          </p:cNvPr>
+          <p:cNvSpPr txBox="1"/>
+          <p:nvPr/>
+        </p:nvSpPr>
+        <p:spPr>
+          <a:xfrm>
+            <a:off x="4138537" y="2485038"/>
+            <a:ext cx="3326525" cy="369332"/>
+          </a:xfrm>
+          <a:prstGeom prst="rect">
+            <a:avLst/>
+          </a:prstGeom>
+          <a:noFill/>
+        </p:spPr>
+        <p:txBody>
+          <a:bodyPr wrap="square" rtlCol="0">
+            <a:spAutoFit/>
+          </a:bodyPr>
+          <a:lstStyle/>
+          <a:p>
+            <a:r>
+              <a:rPr lang="en-US" altLang="zh-TW" dirty="0"/>
+              <a:t>&gt;(li&gt;a&gt;</a:t>
+            </a:r>
+            <a:r>
+              <a:rPr lang="en-US" altLang="zh-TW" dirty="0" err="1"/>
+              <a:t>img</a:t>
+            </a:r>
+            <a:r>
+              <a:rPr lang="en-US" altLang="zh-TW" dirty="0"/>
+              <a:t>)+(li*5&gt;a)+(li&gt;a&gt;</a:t>
+            </a:r>
+            <a:r>
+              <a:rPr lang="en-US" altLang="zh-TW" dirty="0" err="1"/>
+              <a:t>img</a:t>
+            </a:r>
+            <a:r>
+              <a:rPr lang="en-US" altLang="zh-TW" dirty="0"/>
+              <a:t>)</a:t>
+            </a:r>
+            <a:endParaRPr lang="zh-TW" altLang="en-US" dirty="0"/>
+          </a:p>
+        </p:txBody>
+      </p:sp>
+      <p:sp>
+        <p:nvSpPr>
+          <p:cNvPr id="16" name="文字方塊 15">
+            <a:extLst>
+              <a:ext uri="{FF2B5EF4-FFF2-40B4-BE49-F238E27FC236}">
+                <a16:creationId xmlns:a16="http://schemas.microsoft.com/office/drawing/2014/main" id="{363FA906-1E8B-9C34-3944-29B47079E43A}"/>
+              </a:ext>
+            </a:extLst>
+          </p:cNvPr>
+          <p:cNvSpPr txBox="1"/>
+          <p:nvPr/>
+        </p:nvSpPr>
+        <p:spPr>
+          <a:xfrm>
+            <a:off x="202878" y="1452353"/>
+            <a:ext cx="4514592" cy="5078313"/>
+          </a:xfrm>
+          <a:prstGeom prst="rect">
+            <a:avLst/>
+          </a:prstGeom>
+          <a:noFill/>
+        </p:spPr>
+        <p:txBody>
+          <a:bodyPr wrap="square" rtlCol="0">
+            <a:spAutoFit/>
+          </a:bodyPr>
+          <a:lstStyle/>
+          <a:p>
+            <a:r>
+              <a:rPr lang="en-US" altLang="zh-TW" dirty="0">
+                <a:solidFill>
+                  <a:schemeClr val="accent2"/>
+                </a:solidFill>
+              </a:rPr>
+              <a:t>Content-&gt;w:68.1%</a:t>
+            </a:r>
+          </a:p>
+          <a:p>
+            <a:r>
+              <a:rPr lang="en-US" altLang="zh-TW" dirty="0" err="1">
+                <a:solidFill>
+                  <a:schemeClr val="accent2"/>
+                </a:solidFill>
+              </a:rPr>
+              <a:t>productList</a:t>
+            </a:r>
+            <a:r>
+              <a:rPr lang="en-US" altLang="zh-TW" dirty="0">
+                <a:solidFill>
+                  <a:schemeClr val="accent2"/>
+                </a:solidFill>
+              </a:rPr>
+              <a:t>-&gt;</a:t>
+            </a:r>
+            <a:r>
+              <a:rPr lang="en-US" altLang="zh-TW" dirty="0" err="1">
+                <a:solidFill>
+                  <a:schemeClr val="accent2"/>
+                </a:solidFill>
+              </a:rPr>
+              <a:t>d:f;fxw:w;jcsb;ta:c</a:t>
+            </a:r>
+            <a:endParaRPr lang="en-US" altLang="zh-TW" dirty="0">
+              <a:solidFill>
+                <a:schemeClr val="accent2"/>
+              </a:solidFill>
+            </a:endParaRPr>
+          </a:p>
+          <a:p>
+            <a:r>
+              <a:rPr lang="en-US" altLang="zh-TW" dirty="0" err="1">
+                <a:solidFill>
+                  <a:schemeClr val="accent2"/>
+                </a:solidFill>
+              </a:rPr>
+              <a:t>productListCard</a:t>
+            </a:r>
+            <a:r>
+              <a:rPr lang="en-US" altLang="zh-TW" dirty="0">
+                <a:solidFill>
+                  <a:schemeClr val="accent2"/>
+                </a:solidFill>
+              </a:rPr>
+              <a:t>-&gt;</a:t>
+            </a:r>
+          </a:p>
+          <a:p>
+            <a:r>
+              <a:rPr lang="en-US" altLang="zh-TW" dirty="0">
+                <a:solidFill>
+                  <a:schemeClr val="accent2"/>
+                </a:solidFill>
+              </a:rPr>
+              <a:t>Maw:300;mb:20 </a:t>
+            </a:r>
+            <a:r>
+              <a:rPr lang="en-US" altLang="zh-TW" dirty="0" err="1">
+                <a:solidFill>
+                  <a:schemeClr val="accent2"/>
+                </a:solidFill>
+              </a:rPr>
+              <a:t>pos:re</a:t>
+            </a:r>
+            <a:r>
+              <a:rPr lang="en-US" altLang="zh-TW" dirty="0">
+                <a:solidFill>
+                  <a:schemeClr val="accent2"/>
+                </a:solidFill>
+              </a:rPr>
+              <a:t>;</a:t>
+            </a:r>
+          </a:p>
+          <a:p>
+            <a:r>
+              <a:rPr lang="en-US" altLang="zh-TW" dirty="0" err="1">
+                <a:solidFill>
+                  <a:schemeClr val="accent2"/>
+                </a:solidFill>
+              </a:rPr>
+              <a:t>Img</a:t>
+            </a:r>
+            <a:r>
+              <a:rPr lang="en-US" altLang="zh-TW" dirty="0">
+                <a:solidFill>
+                  <a:schemeClr val="accent2"/>
+                </a:solidFill>
+              </a:rPr>
+              <a:t>&gt;</a:t>
+            </a:r>
+            <a:r>
+              <a:rPr lang="en-US" altLang="zh-TW" dirty="0" err="1">
+                <a:solidFill>
+                  <a:schemeClr val="accent2"/>
+                </a:solidFill>
+              </a:rPr>
+              <a:t>d:b</a:t>
+            </a:r>
+            <a:endParaRPr lang="en-US" altLang="zh-TW" dirty="0">
+              <a:solidFill>
+                <a:schemeClr val="accent2"/>
+              </a:solidFill>
+            </a:endParaRPr>
+          </a:p>
+          <a:p>
+            <a:r>
+              <a:rPr lang="en-US" altLang="zh-TW" dirty="0">
+                <a:solidFill>
+                  <a:schemeClr val="accent2"/>
+                </a:solidFill>
+              </a:rPr>
+              <a:t>.tag-&gt; writing-mode: vertical-</a:t>
+            </a:r>
+            <a:r>
+              <a:rPr lang="en-US" altLang="zh-TW" dirty="0" err="1">
+                <a:solidFill>
+                  <a:schemeClr val="accent2"/>
+                </a:solidFill>
+              </a:rPr>
+              <a:t>lr</a:t>
+            </a:r>
+            <a:r>
+              <a:rPr lang="en-US" altLang="zh-TW" dirty="0">
+                <a:solidFill>
+                  <a:schemeClr val="accent2"/>
+                </a:solidFill>
+              </a:rPr>
+              <a:t>;</a:t>
+            </a:r>
+          </a:p>
+          <a:p>
+            <a:r>
+              <a:rPr lang="en-US" altLang="zh-TW" dirty="0">
+                <a:solidFill>
+                  <a:schemeClr val="accent2"/>
+                </a:solidFill>
+              </a:rPr>
+              <a:t>Pos:abs;left:20;fz:16</a:t>
+            </a:r>
+          </a:p>
+          <a:p>
+            <a:r>
+              <a:rPr lang="en-US" altLang="zh-TW" dirty="0">
+                <a:solidFill>
+                  <a:schemeClr val="accent2"/>
+                </a:solidFill>
+              </a:rPr>
+              <a:t>Lh:1.2;p:16 10 Le-sp:3:fw:b</a:t>
+            </a:r>
+          </a:p>
+          <a:p>
+            <a:endParaRPr lang="en-US" altLang="zh-TW" dirty="0">
+              <a:solidFill>
+                <a:schemeClr val="accent2"/>
+              </a:solidFill>
+            </a:endParaRPr>
+          </a:p>
+          <a:p>
+            <a:r>
+              <a:rPr lang="en-US" altLang="zh-TW" dirty="0">
+                <a:solidFill>
+                  <a:schemeClr val="accent2"/>
+                </a:solidFill>
+              </a:rPr>
+              <a:t>.heart-&gt;pos:ab:Ri:22</a:t>
+            </a:r>
+          </a:p>
+          <a:p>
+            <a:r>
+              <a:rPr lang="en-US" altLang="zh-TW" dirty="0">
+                <a:solidFill>
+                  <a:schemeClr val="accent2"/>
+                </a:solidFill>
+              </a:rPr>
+              <a:t>.</a:t>
+            </a:r>
+            <a:r>
+              <a:rPr lang="en-US" altLang="zh-TW" dirty="0" err="1">
+                <a:solidFill>
+                  <a:schemeClr val="accent2"/>
+                </a:solidFill>
+              </a:rPr>
+              <a:t>productListCardbody</a:t>
+            </a:r>
+            <a:r>
+              <a:rPr lang="en-US" altLang="zh-TW" dirty="0">
+                <a:solidFill>
+                  <a:schemeClr val="accent2"/>
+                </a:solidFill>
+              </a:rPr>
+              <a:t>-&gt;</a:t>
+            </a:r>
+            <a:r>
+              <a:rPr lang="en-US" altLang="zh-TW" dirty="0" err="1">
+                <a:solidFill>
+                  <a:schemeClr val="accent2"/>
+                </a:solidFill>
+              </a:rPr>
+              <a:t>d:f</a:t>
+            </a:r>
+            <a:endParaRPr lang="en-US" altLang="zh-TW" dirty="0">
+              <a:solidFill>
+                <a:schemeClr val="accent2"/>
+              </a:solidFill>
+            </a:endParaRPr>
+          </a:p>
+          <a:p>
+            <a:r>
+              <a:rPr lang="en-US" altLang="zh-TW" dirty="0">
+                <a:solidFill>
+                  <a:schemeClr val="accent2"/>
+                </a:solidFill>
+              </a:rPr>
+              <a:t>Bor:1px solidEAF0ED</a:t>
+            </a:r>
+          </a:p>
+          <a:p>
+            <a:endParaRPr lang="en-US" altLang="zh-TW" dirty="0">
+              <a:solidFill>
+                <a:schemeClr val="accent2"/>
+              </a:solidFill>
+            </a:endParaRPr>
+          </a:p>
+          <a:p>
+            <a:r>
+              <a:rPr lang="en-US" altLang="zh-TW" dirty="0">
+                <a:solidFill>
+                  <a:schemeClr val="accent2"/>
+                </a:solidFill>
+              </a:rPr>
+              <a:t>H3-&gt;fz:20:</a:t>
+            </a:r>
+            <a:r>
+              <a:rPr lang="zh-TW" altLang="en-US" dirty="0">
+                <a:solidFill>
+                  <a:schemeClr val="accent2"/>
+                </a:solidFill>
+              </a:rPr>
+              <a:t> </a:t>
+            </a:r>
+            <a:r>
+              <a:rPr lang="en-US" altLang="zh-TW" dirty="0">
+                <a:solidFill>
+                  <a:schemeClr val="accent2"/>
+                </a:solidFill>
+              </a:rPr>
+              <a:t>w:57.6%:lh:1:p14</a:t>
+            </a:r>
+            <a:r>
+              <a:rPr lang="zh-TW" altLang="en-US" dirty="0">
+                <a:solidFill>
+                  <a:schemeClr val="accent2"/>
+                </a:solidFill>
+              </a:rPr>
+              <a:t> </a:t>
+            </a:r>
+            <a:r>
+              <a:rPr lang="en-US" altLang="zh-TW" dirty="0">
+                <a:solidFill>
+                  <a:schemeClr val="accent2"/>
+                </a:solidFill>
+              </a:rPr>
+              <a:t>0</a:t>
+            </a:r>
+          </a:p>
+          <a:p>
+            <a:endParaRPr lang="en-US" altLang="zh-TW" dirty="0">
+              <a:solidFill>
+                <a:schemeClr val="accent2"/>
+              </a:solidFill>
+            </a:endParaRPr>
+          </a:p>
+          <a:p>
+            <a:r>
+              <a:rPr lang="en-US" altLang="zh-TW" dirty="0">
+                <a:solidFill>
+                  <a:schemeClr val="accent2"/>
+                </a:solidFill>
+              </a:rPr>
+              <a:t>.</a:t>
+            </a:r>
+            <a:r>
+              <a:rPr lang="en-US" altLang="zh-TW" dirty="0" err="1">
+                <a:solidFill>
+                  <a:schemeClr val="accent2"/>
+                </a:solidFill>
+              </a:rPr>
+              <a:t>productListCardbody</a:t>
+            </a:r>
+            <a:r>
+              <a:rPr lang="en-US" altLang="zh-TW" dirty="0">
+                <a:solidFill>
+                  <a:schemeClr val="accent2"/>
+                </a:solidFill>
+              </a:rPr>
+              <a:t> span-&gt;</a:t>
+            </a:r>
+          </a:p>
+          <a:p>
+            <a:r>
+              <a:rPr lang="en-US" altLang="zh-TW" dirty="0">
+                <a:solidFill>
+                  <a:schemeClr val="accent2"/>
+                </a:solidFill>
+              </a:rPr>
+              <a:t>Fz:20;w:42.4;lh:1.2;p:14 0 ;fw:w;boderEAF0ED</a:t>
+            </a:r>
+          </a:p>
+          <a:p>
+            <a:endParaRPr lang="en-US" altLang="zh-TW" dirty="0">
+              <a:solidFill>
+                <a:schemeClr val="accent2"/>
+              </a:solidFill>
+            </a:endParaRPr>
+          </a:p>
+        </p:txBody>
+      </p:sp>
+      <p:sp>
+        <p:nvSpPr>
+          <p:cNvPr id="17" name="文字方塊 16">
+            <a:extLst>
+              <a:ext uri="{FF2B5EF4-FFF2-40B4-BE49-F238E27FC236}">
+                <a16:creationId xmlns:a16="http://schemas.microsoft.com/office/drawing/2014/main" id="{43FC2CB8-DA1B-D243-37FD-2D04B96B1018}"/>
+              </a:ext>
+            </a:extLst>
+          </p:cNvPr>
+          <p:cNvSpPr txBox="1"/>
+          <p:nvPr/>
+        </p:nvSpPr>
+        <p:spPr>
+          <a:xfrm>
+            <a:off x="4458696" y="4090913"/>
+            <a:ext cx="4514592" cy="1754326"/>
+          </a:xfrm>
+          <a:prstGeom prst="rect">
+            <a:avLst/>
+          </a:prstGeom>
+          <a:noFill/>
+        </p:spPr>
+        <p:txBody>
+          <a:bodyPr wrap="square" rtlCol="0">
+            <a:spAutoFit/>
+          </a:bodyPr>
+          <a:lstStyle/>
+          <a:p>
+            <a:r>
+              <a:rPr lang="en-US" altLang="zh-TW" dirty="0">
+                <a:solidFill>
+                  <a:schemeClr val="accent2"/>
+                </a:solidFill>
+              </a:rPr>
+              <a:t>.</a:t>
+            </a:r>
+            <a:r>
+              <a:rPr lang="en-US" altLang="zh-TW" dirty="0" err="1">
+                <a:solidFill>
+                  <a:schemeClr val="accent2"/>
+                </a:solidFill>
+              </a:rPr>
+              <a:t>productListCard</a:t>
+            </a:r>
+            <a:r>
+              <a:rPr lang="en-US" altLang="zh-TW" dirty="0">
+                <a:solidFill>
+                  <a:schemeClr val="accent2"/>
+                </a:solidFill>
+              </a:rPr>
+              <a:t> a-&gt;</a:t>
+            </a:r>
+          </a:p>
+          <a:p>
+            <a:r>
+              <a:rPr lang="en-US" altLang="zh-TW" dirty="0">
+                <a:solidFill>
+                  <a:schemeClr val="accent2"/>
+                </a:solidFill>
+              </a:rPr>
+              <a:t>D:b;td:n;fz:24;lh:0.83;p:16 0;fw:b</a:t>
+            </a:r>
+          </a:p>
+          <a:p>
+            <a:endParaRPr lang="en-US" altLang="zh-TW" dirty="0">
+              <a:solidFill>
+                <a:schemeClr val="accent2"/>
+              </a:solidFill>
+            </a:endParaRPr>
+          </a:p>
+          <a:p>
+            <a:r>
+              <a:rPr lang="en-US" altLang="zh-TW" dirty="0" err="1">
+                <a:solidFill>
+                  <a:schemeClr val="accent2"/>
+                </a:solidFill>
+              </a:rPr>
+              <a:t>Pangination</a:t>
+            </a:r>
+            <a:r>
+              <a:rPr lang="en-US" altLang="zh-TW" dirty="0">
+                <a:solidFill>
+                  <a:schemeClr val="accent2"/>
+                </a:solidFill>
+              </a:rPr>
+              <a:t> -&gt;</a:t>
+            </a:r>
+            <a:r>
+              <a:rPr lang="en-US" altLang="zh-TW" dirty="0" err="1">
+                <a:solidFill>
+                  <a:schemeClr val="accent2"/>
+                </a:solidFill>
+              </a:rPr>
+              <a:t>d:f</a:t>
+            </a:r>
+            <a:r>
+              <a:rPr lang="en-US" altLang="zh-TW" dirty="0">
+                <a:solidFill>
+                  <a:schemeClr val="accent2"/>
+                </a:solidFill>
+              </a:rPr>
+              <a:t> </a:t>
+            </a:r>
+            <a:r>
+              <a:rPr lang="en-US" altLang="zh-TW" dirty="0" err="1">
+                <a:solidFill>
+                  <a:schemeClr val="accent2"/>
+                </a:solidFill>
+              </a:rPr>
+              <a:t>jcfd</a:t>
+            </a:r>
+            <a:r>
+              <a:rPr lang="en-US" altLang="zh-TW" dirty="0">
+                <a:solidFill>
+                  <a:schemeClr val="accent2"/>
+                </a:solidFill>
+              </a:rPr>
+              <a:t>;</a:t>
+            </a:r>
+          </a:p>
+          <a:p>
+            <a:r>
+              <a:rPr lang="en-US" altLang="zh-TW" dirty="0">
+                <a:solidFill>
+                  <a:schemeClr val="accent2"/>
+                </a:solidFill>
+              </a:rPr>
+              <a:t>Li-&gt;w:60h:60 border3F5D45</a:t>
+            </a:r>
+          </a:p>
+          <a:p>
+            <a:r>
+              <a:rPr lang="en-US" altLang="zh-TW" dirty="0">
+                <a:solidFill>
+                  <a:schemeClr val="accent2"/>
+                </a:solidFill>
+              </a:rPr>
+              <a:t>A-&gt;d:b;td:n;ta:c;p:16 0</a:t>
+            </a:r>
+          </a:p>
+        </p:txBody>
+      </p:sp>
+    </p:spTree>
+    <p:extLst>
+      <p:ext uri="{BB962C8B-B14F-4D97-AF65-F5344CB8AC3E}">
+        <p14:creationId xmlns:p14="http://schemas.microsoft.com/office/powerpoint/2010/main" val="480470236"/>
       </p:ext>
     </p:extLst>
   </p:cSld>

--- a/公益體驗營/公益程式體驗營(作業架構圖2).pptx
+++ b/公益體驗營/公益程式體驗營(作業架構圖2).pptx
@@ -262,7 +262,7 @@
           <a:p>
             <a:fld id="{EAD7225C-026E-4CD4-87B4-A973251D3C0D}" type="datetimeFigureOut">
               <a:rPr lang="zh-TW" altLang="en-US" smtClean="0"/>
-              <a:t>2022/5/20</a:t>
+              <a:t>2022/5/21</a:t>
             </a:fld>
             <a:endParaRPr lang="zh-TW" altLang="en-US"/>
           </a:p>
@@ -460,7 +460,7 @@
           <a:p>
             <a:fld id="{EAD7225C-026E-4CD4-87B4-A973251D3C0D}" type="datetimeFigureOut">
               <a:rPr lang="zh-TW" altLang="en-US" smtClean="0"/>
-              <a:t>2022/5/20</a:t>
+              <a:t>2022/5/21</a:t>
             </a:fld>
             <a:endParaRPr lang="zh-TW" altLang="en-US"/>
           </a:p>
@@ -668,7 +668,7 @@
           <a:p>
             <a:fld id="{EAD7225C-026E-4CD4-87B4-A973251D3C0D}" type="datetimeFigureOut">
               <a:rPr lang="zh-TW" altLang="en-US" smtClean="0"/>
-              <a:t>2022/5/20</a:t>
+              <a:t>2022/5/21</a:t>
             </a:fld>
             <a:endParaRPr lang="zh-TW" altLang="en-US"/>
           </a:p>
@@ -866,7 +866,7 @@
           <a:p>
             <a:fld id="{EAD7225C-026E-4CD4-87B4-A973251D3C0D}" type="datetimeFigureOut">
               <a:rPr lang="zh-TW" altLang="en-US" smtClean="0"/>
-              <a:t>2022/5/20</a:t>
+              <a:t>2022/5/21</a:t>
             </a:fld>
             <a:endParaRPr lang="zh-TW" altLang="en-US"/>
           </a:p>
@@ -1141,7 +1141,7 @@
           <a:p>
             <a:fld id="{EAD7225C-026E-4CD4-87B4-A973251D3C0D}" type="datetimeFigureOut">
               <a:rPr lang="zh-TW" altLang="en-US" smtClean="0"/>
-              <a:t>2022/5/20</a:t>
+              <a:t>2022/5/21</a:t>
             </a:fld>
             <a:endParaRPr lang="zh-TW" altLang="en-US"/>
           </a:p>
@@ -1406,7 +1406,7 @@
           <a:p>
             <a:fld id="{EAD7225C-026E-4CD4-87B4-A973251D3C0D}" type="datetimeFigureOut">
               <a:rPr lang="zh-TW" altLang="en-US" smtClean="0"/>
-              <a:t>2022/5/20</a:t>
+              <a:t>2022/5/21</a:t>
             </a:fld>
             <a:endParaRPr lang="zh-TW" altLang="en-US"/>
           </a:p>
@@ -1818,7 +1818,7 @@
           <a:p>
             <a:fld id="{EAD7225C-026E-4CD4-87B4-A973251D3C0D}" type="datetimeFigureOut">
               <a:rPr lang="zh-TW" altLang="en-US" smtClean="0"/>
-              <a:t>2022/5/20</a:t>
+              <a:t>2022/5/21</a:t>
             </a:fld>
             <a:endParaRPr lang="zh-TW" altLang="en-US"/>
           </a:p>
@@ -1959,7 +1959,7 @@
           <a:p>
             <a:fld id="{EAD7225C-026E-4CD4-87B4-A973251D3C0D}" type="datetimeFigureOut">
               <a:rPr lang="zh-TW" altLang="en-US" smtClean="0"/>
-              <a:t>2022/5/20</a:t>
+              <a:t>2022/5/21</a:t>
             </a:fld>
             <a:endParaRPr lang="zh-TW" altLang="en-US"/>
           </a:p>
@@ -2072,7 +2072,7 @@
           <a:p>
             <a:fld id="{EAD7225C-026E-4CD4-87B4-A973251D3C0D}" type="datetimeFigureOut">
               <a:rPr lang="zh-TW" altLang="en-US" smtClean="0"/>
-              <a:t>2022/5/20</a:t>
+              <a:t>2022/5/21</a:t>
             </a:fld>
             <a:endParaRPr lang="zh-TW" altLang="en-US"/>
           </a:p>
@@ -2383,7 +2383,7 @@
           <a:p>
             <a:fld id="{EAD7225C-026E-4CD4-87B4-A973251D3C0D}" type="datetimeFigureOut">
               <a:rPr lang="zh-TW" altLang="en-US" smtClean="0"/>
-              <a:t>2022/5/20</a:t>
+              <a:t>2022/5/21</a:t>
             </a:fld>
             <a:endParaRPr lang="zh-TW" altLang="en-US"/>
           </a:p>
@@ -2671,7 +2671,7 @@
           <a:p>
             <a:fld id="{EAD7225C-026E-4CD4-87B4-A973251D3C0D}" type="datetimeFigureOut">
               <a:rPr lang="zh-TW" altLang="en-US" smtClean="0"/>
-              <a:t>2022/5/20</a:t>
+              <a:t>2022/5/21</a:t>
             </a:fld>
             <a:endParaRPr lang="zh-TW" altLang="en-US"/>
           </a:p>
@@ -2912,7 +2912,7 @@
           <a:p>
             <a:fld id="{EAD7225C-026E-4CD4-87B4-A973251D3C0D}" type="datetimeFigureOut">
               <a:rPr lang="zh-TW" altLang="en-US" smtClean="0"/>
-              <a:t>2022/5/20</a:t>
+              <a:t>2022/5/21</a:t>
             </a:fld>
             <a:endParaRPr lang="zh-TW" altLang="en-US"/>
           </a:p>
@@ -6313,7 +6313,7 @@
                   <a:srgbClr val="FF0000"/>
                 </a:solidFill>
               </a:rPr>
-              <a:t>-&gt; maw:100%</a:t>
+              <a:t>-&gt; w::100%</a:t>
             </a:r>
           </a:p>
         </p:txBody>
@@ -6962,7 +6962,7 @@
         <p:spPr>
           <a:xfrm>
             <a:off x="4874305" y="3359002"/>
-            <a:ext cx="6720795" cy="923330"/>
+            <a:ext cx="6720795" cy="1200329"/>
           </a:xfrm>
           <a:prstGeom prst="rect">
             <a:avLst/>
@@ -7037,7 +7037,23 @@
             </a:r>
             <a:r>
               <a:rPr lang="en-US" altLang="zh-TW" dirty="0"/>
-              <a:t>&gt;h3+span)+a</a:t>
+              <a:t>&gt;(h3{</a:t>
+            </a:r>
+            <a:r>
+              <a:rPr lang="zh-TW" altLang="en-US" dirty="0"/>
+              <a:t>焦糖馬卡龍</a:t>
+            </a:r>
+            <a:r>
+              <a:rPr lang="en-US" altLang="zh-TW" dirty="0"/>
+              <a:t>}+span{NT$ 450}))+a{</a:t>
+            </a:r>
+            <a:r>
+              <a:rPr lang="zh-TW" altLang="en-US" dirty="0"/>
+              <a:t>加入購物車</a:t>
+            </a:r>
+            <a:r>
+              <a:rPr lang="en-US" altLang="zh-TW" dirty="0"/>
+              <a:t>}</a:t>
             </a:r>
           </a:p>
         </p:txBody>
@@ -7272,10 +7288,10 @@
       </p:sp>
       <p:sp>
         <p:nvSpPr>
-          <p:cNvPr id="22" name="矩形 21">
-            <a:extLst>
-              <a:ext uri="{FF2B5EF4-FFF2-40B4-BE49-F238E27FC236}">
-                <a16:creationId xmlns:a16="http://schemas.microsoft.com/office/drawing/2014/main" id="{52C399AF-9237-1BD7-2CAE-DC82F2B7BE55}"/>
+          <p:cNvPr id="24" name="矩形 23">
+            <a:extLst>
+              <a:ext uri="{FF2B5EF4-FFF2-40B4-BE49-F238E27FC236}">
+                <a16:creationId xmlns:a16="http://schemas.microsoft.com/office/drawing/2014/main" id="{A3CFA851-2E80-3834-4198-E8AF69BF3227}"/>
               </a:ext>
             </a:extLst>
           </p:cNvPr>
@@ -7284,7 +7300,7 @@
         </p:nvSpPr>
         <p:spPr>
           <a:xfrm>
-            <a:off x="8912207" y="5943600"/>
+            <a:off x="11195491" y="5943600"/>
             <a:ext cx="457200" cy="493292"/>
           </a:xfrm>
           <a:prstGeom prst="rect">
@@ -7319,100 +7335,6 @@
       </p:sp>
       <p:sp>
         <p:nvSpPr>
-          <p:cNvPr id="23" name="矩形 22">
-            <a:extLst>
-              <a:ext uri="{FF2B5EF4-FFF2-40B4-BE49-F238E27FC236}">
-                <a16:creationId xmlns:a16="http://schemas.microsoft.com/office/drawing/2014/main" id="{79E4C4D2-7142-21DF-77BF-9A34B6F58F0C}"/>
-              </a:ext>
-            </a:extLst>
-          </p:cNvPr>
-          <p:cNvSpPr/>
-          <p:nvPr/>
-        </p:nvSpPr>
-        <p:spPr>
-          <a:xfrm>
-            <a:off x="8455007" y="5943600"/>
-            <a:ext cx="457200" cy="493292"/>
-          </a:xfrm>
-          <a:prstGeom prst="rect">
-            <a:avLst/>
-          </a:prstGeom>
-          <a:noFill/>
-        </p:spPr>
-        <p:style>
-          <a:lnRef idx="2">
-            <a:schemeClr val="accent1">
-              <a:shade val="50000"/>
-            </a:schemeClr>
-          </a:lnRef>
-          <a:fillRef idx="1">
-            <a:schemeClr val="accent1"/>
-          </a:fillRef>
-          <a:effectRef idx="0">
-            <a:schemeClr val="accent1"/>
-          </a:effectRef>
-          <a:fontRef idx="minor">
-            <a:schemeClr val="lt1"/>
-          </a:fontRef>
-        </p:style>
-        <p:txBody>
-          <a:bodyPr rtlCol="0" anchor="ctr"/>
-          <a:lstStyle/>
-          <a:p>
-            <a:pPr algn="ctr"/>
-            <a:endParaRPr lang="zh-TW" altLang="en-US"/>
-          </a:p>
-        </p:txBody>
-      </p:sp>
-      <p:sp>
-        <p:nvSpPr>
-          <p:cNvPr id="24" name="矩形 23">
-            <a:extLst>
-              <a:ext uri="{FF2B5EF4-FFF2-40B4-BE49-F238E27FC236}">
-                <a16:creationId xmlns:a16="http://schemas.microsoft.com/office/drawing/2014/main" id="{A3CFA851-2E80-3834-4198-E8AF69BF3227}"/>
-              </a:ext>
-            </a:extLst>
-          </p:cNvPr>
-          <p:cNvSpPr/>
-          <p:nvPr/>
-        </p:nvSpPr>
-        <p:spPr>
-          <a:xfrm>
-            <a:off x="11195491" y="5943600"/>
-            <a:ext cx="457200" cy="493292"/>
-          </a:xfrm>
-          <a:prstGeom prst="rect">
-            <a:avLst/>
-          </a:prstGeom>
-          <a:noFill/>
-        </p:spPr>
-        <p:style>
-          <a:lnRef idx="2">
-            <a:schemeClr val="accent1">
-              <a:shade val="50000"/>
-            </a:schemeClr>
-          </a:lnRef>
-          <a:fillRef idx="1">
-            <a:schemeClr val="accent1"/>
-          </a:fillRef>
-          <a:effectRef idx="0">
-            <a:schemeClr val="accent1"/>
-          </a:effectRef>
-          <a:fontRef idx="minor">
-            <a:schemeClr val="lt1"/>
-          </a:fontRef>
-        </p:style>
-        <p:txBody>
-          <a:bodyPr rtlCol="0" anchor="ctr"/>
-          <a:lstStyle/>
-          <a:p>
-            <a:pPr algn="ctr"/>
-            <a:endParaRPr lang="zh-TW" altLang="en-US"/>
-          </a:p>
-        </p:txBody>
-      </p:sp>
-      <p:sp>
-        <p:nvSpPr>
           <p:cNvPr id="25" name="文字方塊 24">
             <a:extLst>
               <a:ext uri="{FF2B5EF4-FFF2-40B4-BE49-F238E27FC236}">
@@ -7485,7 +7407,7 @@
             </a:r>
             <a:r>
               <a:rPr lang="en-US" altLang="zh-TW" dirty="0"/>
-              <a:t>)+(li*5&gt;a)+(li&gt;a&gt;</a:t>
+              <a:t>)+(li*3&gt;a)+(li&gt;a&gt;</a:t>
             </a:r>
             <a:r>
               <a:rPr lang="en-US" altLang="zh-TW" dirty="0" err="1"/>
@@ -7759,7 +7681,23 @@
                   <a:schemeClr val="accent2"/>
                 </a:solidFill>
               </a:rPr>
-              <a:t>Img</a:t>
+              <a:t>productListCard</a:t>
+            </a:r>
+            <a:r>
+              <a:rPr lang="en-US" altLang="zh-TW" dirty="0">
+                <a:solidFill>
+                  <a:schemeClr val="accent2"/>
+                </a:solidFill>
+              </a:rPr>
+              <a:t> </a:t>
+            </a:r>
+            <a:r>
+              <a:rPr lang="en-US" altLang="zh-TW" dirty="0" err="1">
+                <a:solidFill>
+                  <a:schemeClr val="accent2"/>
+                </a:solidFill>
+              </a:rPr>
+              <a:t>img</a:t>
             </a:r>
             <a:r>
               <a:rPr lang="en-US" altLang="zh-TW" dirty="0">
@@ -7882,8 +7820,8 @@
         </p:nvSpPr>
         <p:spPr>
           <a:xfrm>
-            <a:off x="114586" y="124040"/>
-            <a:ext cx="7189856" cy="3538451"/>
+            <a:off x="114585" y="124040"/>
+            <a:ext cx="7538071" cy="3538451"/>
           </a:xfrm>
           <a:prstGeom prst="rect">
             <a:avLst/>
@@ -7930,7 +7868,7 @@
         <p:spPr>
           <a:xfrm>
             <a:off x="382988" y="454438"/>
-            <a:ext cx="6720795" cy="923330"/>
+            <a:ext cx="7999012" cy="646331"/>
           </a:xfrm>
           <a:prstGeom prst="rect">
             <a:avLst/>
@@ -7949,13 +7887,11 @@
             </a:r>
             <a:r>
               <a:rPr lang="en-US" altLang="zh-TW" dirty="0"/>
-              <a:t>&gt;l</a:t>
-            </a:r>
-          </a:p>
-          <a:p>
+              <a:t>&gt;</a:t>
+            </a:r>
             <a:r>
               <a:rPr lang="en-US" altLang="zh-TW" dirty="0" err="1"/>
-              <a:t>i.productListCard</a:t>
+              <a:t>li.productListCard</a:t>
             </a:r>
             <a:r>
               <a:rPr lang="en-US" altLang="zh-TW" dirty="0"/>
@@ -8005,7 +7941,23 @@
             </a:r>
             <a:r>
               <a:rPr lang="en-US" altLang="zh-TW" dirty="0"/>
-              <a:t>&gt;h3+span)+a</a:t>
+              <a:t>&gt;(h3{</a:t>
+            </a:r>
+            <a:r>
+              <a:rPr lang="zh-TW" altLang="en-US" dirty="0"/>
+              <a:t>焦糖馬卡龍</a:t>
+            </a:r>
+            <a:r>
+              <a:rPr lang="en-US" altLang="zh-TW" dirty="0"/>
+              <a:t>}+span{NT$ 450}))+a{</a:t>
+            </a:r>
+            <a:r>
+              <a:rPr lang="zh-TW" altLang="en-US" dirty="0"/>
+              <a:t>加入購物車</a:t>
+            </a:r>
+            <a:r>
+              <a:rPr lang="en-US" altLang="zh-TW" dirty="0"/>
+              <a:t>}</a:t>
             </a:r>
           </a:p>
         </p:txBody>
@@ -8240,10 +8192,10 @@
       </p:sp>
       <p:sp>
         <p:nvSpPr>
-          <p:cNvPr id="11" name="矩形 10">
-            <a:extLst>
-              <a:ext uri="{FF2B5EF4-FFF2-40B4-BE49-F238E27FC236}">
-                <a16:creationId xmlns:a16="http://schemas.microsoft.com/office/drawing/2014/main" id="{80259E97-DFBC-5C59-7705-BE5A75FFB47E}"/>
+          <p:cNvPr id="13" name="矩形 12">
+            <a:extLst>
+              <a:ext uri="{FF2B5EF4-FFF2-40B4-BE49-F238E27FC236}">
+                <a16:creationId xmlns:a16="http://schemas.microsoft.com/office/drawing/2014/main" id="{C84FC4E2-DF40-693A-5866-2AAED516F280}"/>
               </a:ext>
             </a:extLst>
           </p:cNvPr>
@@ -8252,7 +8204,7 @@
         </p:nvSpPr>
         <p:spPr>
           <a:xfrm>
-            <a:off x="4420890" y="3039036"/>
+            <a:off x="6704174" y="3039036"/>
             <a:ext cx="457200" cy="493292"/>
           </a:xfrm>
           <a:prstGeom prst="rect">
@@ -8287,100 +8239,6 @@
       </p:sp>
       <p:sp>
         <p:nvSpPr>
-          <p:cNvPr id="12" name="矩形 11">
-            <a:extLst>
-              <a:ext uri="{FF2B5EF4-FFF2-40B4-BE49-F238E27FC236}">
-                <a16:creationId xmlns:a16="http://schemas.microsoft.com/office/drawing/2014/main" id="{4B57E9D7-2383-50CE-D04E-55F2A6605DA3}"/>
-              </a:ext>
-            </a:extLst>
-          </p:cNvPr>
-          <p:cNvSpPr/>
-          <p:nvPr/>
-        </p:nvSpPr>
-        <p:spPr>
-          <a:xfrm>
-            <a:off x="3963690" y="3039036"/>
-            <a:ext cx="457200" cy="493292"/>
-          </a:xfrm>
-          <a:prstGeom prst="rect">
-            <a:avLst/>
-          </a:prstGeom>
-          <a:noFill/>
-        </p:spPr>
-        <p:style>
-          <a:lnRef idx="2">
-            <a:schemeClr val="accent1">
-              <a:shade val="50000"/>
-            </a:schemeClr>
-          </a:lnRef>
-          <a:fillRef idx="1">
-            <a:schemeClr val="accent1"/>
-          </a:fillRef>
-          <a:effectRef idx="0">
-            <a:schemeClr val="accent1"/>
-          </a:effectRef>
-          <a:fontRef idx="minor">
-            <a:schemeClr val="lt1"/>
-          </a:fontRef>
-        </p:style>
-        <p:txBody>
-          <a:bodyPr rtlCol="0" anchor="ctr"/>
-          <a:lstStyle/>
-          <a:p>
-            <a:pPr algn="ctr"/>
-            <a:endParaRPr lang="zh-TW" altLang="en-US"/>
-          </a:p>
-        </p:txBody>
-      </p:sp>
-      <p:sp>
-        <p:nvSpPr>
-          <p:cNvPr id="13" name="矩形 12">
-            <a:extLst>
-              <a:ext uri="{FF2B5EF4-FFF2-40B4-BE49-F238E27FC236}">
-                <a16:creationId xmlns:a16="http://schemas.microsoft.com/office/drawing/2014/main" id="{C84FC4E2-DF40-693A-5866-2AAED516F280}"/>
-              </a:ext>
-            </a:extLst>
-          </p:cNvPr>
-          <p:cNvSpPr/>
-          <p:nvPr/>
-        </p:nvSpPr>
-        <p:spPr>
-          <a:xfrm>
-            <a:off x="6704174" y="3039036"/>
-            <a:ext cx="457200" cy="493292"/>
-          </a:xfrm>
-          <a:prstGeom prst="rect">
-            <a:avLst/>
-          </a:prstGeom>
-          <a:noFill/>
-        </p:spPr>
-        <p:style>
-          <a:lnRef idx="2">
-            <a:schemeClr val="accent1">
-              <a:shade val="50000"/>
-            </a:schemeClr>
-          </a:lnRef>
-          <a:fillRef idx="1">
-            <a:schemeClr val="accent1"/>
-          </a:fillRef>
-          <a:effectRef idx="0">
-            <a:schemeClr val="accent1"/>
-          </a:effectRef>
-          <a:fontRef idx="minor">
-            <a:schemeClr val="lt1"/>
-          </a:fontRef>
-        </p:style>
-        <p:txBody>
-          <a:bodyPr rtlCol="0" anchor="ctr"/>
-          <a:lstStyle/>
-          <a:p>
-            <a:pPr algn="ctr"/>
-            <a:endParaRPr lang="zh-TW" altLang="en-US"/>
-          </a:p>
-        </p:txBody>
-      </p:sp>
-      <p:sp>
-        <p:nvSpPr>
           <p:cNvPr id="14" name="文字方塊 13">
             <a:extLst>
               <a:ext uri="{FF2B5EF4-FFF2-40B4-BE49-F238E27FC236}">
@@ -8453,7 +8311,7 @@
             </a:r>
             <a:r>
               <a:rPr lang="en-US" altLang="zh-TW" dirty="0"/>
-              <a:t>)+(li*5&gt;a)+(li&gt;a&gt;</a:t>
+              <a:t>)+(li*3&gt;a)+(li&gt;a&gt;</a:t>
             </a:r>
             <a:r>
               <a:rPr lang="en-US" altLang="zh-TW" dirty="0" err="1"/>
@@ -8482,7 +8340,7 @@
         <p:spPr>
           <a:xfrm>
             <a:off x="202878" y="1452353"/>
-            <a:ext cx="4514592" cy="5078313"/>
+            <a:ext cx="5411120" cy="5078313"/>
           </a:xfrm>
           <a:prstGeom prst="rect">
             <a:avLst/>
@@ -8580,6 +8438,22 @@
             </a:r>
           </a:p>
           <a:p>
+            <a:r>
+              <a:rPr lang="en-US" altLang="zh-TW" dirty="0" err="1">
+                <a:solidFill>
+                  <a:schemeClr val="accent2"/>
+                </a:solidFill>
+              </a:rPr>
+              <a:t>productListCard</a:t>
+            </a:r>
+            <a:r>
+              <a:rPr lang="en-US" altLang="zh-TW" dirty="0">
+                <a:solidFill>
+                  <a:schemeClr val="accent2"/>
+                </a:solidFill>
+              </a:rPr>
+              <a:t> </a:t>
+            </a:r>
             <a:r>
               <a:rPr lang="en-US" altLang="zh-TW" dirty="0" err="1">
                 <a:solidFill>
